--- a/Big Mountain Case Study.pptx
+++ b/Big Mountain Case Study.pptx
@@ -9,10 +9,12 @@
     <p:sldId id="258" r:id="rId3"/>
     <p:sldId id="261" r:id="rId4"/>
     <p:sldId id="262" r:id="rId5"/>
-    <p:sldId id="265" r:id="rId6"/>
-    <p:sldId id="263" r:id="rId7"/>
-    <p:sldId id="264" r:id="rId8"/>
-    <p:sldId id="260" r:id="rId9"/>
+    <p:sldId id="269" r:id="rId6"/>
+    <p:sldId id="265" r:id="rId7"/>
+    <p:sldId id="267" r:id="rId8"/>
+    <p:sldId id="264" r:id="rId9"/>
+    <p:sldId id="268" r:id="rId10"/>
+    <p:sldId id="260" r:id="rId11"/>
   </p:sldIdLst>
   <p:sldSz cx="12192000" cy="6858000"/>
   <p:notesSz cx="6858000" cy="9144000"/>
@@ -111,6 +113,11 @@
       </a:defRPr>
     </a:lvl9pPr>
   </p:defaultTextStyle>
+  <p:extLst>
+    <p:ext uri="{EFAFB233-063F-42B5-8137-9DF3F51BA10A}">
+      <p15:sldGuideLst xmlns:p15="http://schemas.microsoft.com/office/powerpoint/2012/main"/>
+    </p:ext>
+  </p:extLst>
 </p:presentation>
 </file>
 
@@ -1049,7 +1056,7 @@
           <a:p>
             <a:fld id="{FADDCE8E-CEE1-4C2F-98F8-6765A446BB7D}" type="datetimeFigureOut">
               <a:rPr lang="en-US" smtClean="0"/>
-              <a:t>1/15/2021</a:t>
+              <a:t>1/18/2021</a:t>
             </a:fld>
             <a:endParaRPr lang="en-US"/>
           </a:p>
@@ -1247,7 +1254,7 @@
           <a:p>
             <a:fld id="{FADDCE8E-CEE1-4C2F-98F8-6765A446BB7D}" type="datetimeFigureOut">
               <a:rPr lang="en-US" smtClean="0"/>
-              <a:t>1/15/2021</a:t>
+              <a:t>1/18/2021</a:t>
             </a:fld>
             <a:endParaRPr lang="en-US"/>
           </a:p>
@@ -1455,7 +1462,7 @@
           <a:p>
             <a:fld id="{FADDCE8E-CEE1-4C2F-98F8-6765A446BB7D}" type="datetimeFigureOut">
               <a:rPr lang="en-US" smtClean="0"/>
-              <a:t>1/15/2021</a:t>
+              <a:t>1/18/2021</a:t>
             </a:fld>
             <a:endParaRPr lang="en-US"/>
           </a:p>
@@ -1653,7 +1660,7 @@
           <a:p>
             <a:fld id="{FADDCE8E-CEE1-4C2F-98F8-6765A446BB7D}" type="datetimeFigureOut">
               <a:rPr lang="en-US" smtClean="0"/>
-              <a:t>1/15/2021</a:t>
+              <a:t>1/18/2021</a:t>
             </a:fld>
             <a:endParaRPr lang="en-US"/>
           </a:p>
@@ -1928,7 +1935,7 @@
           <a:p>
             <a:fld id="{FADDCE8E-CEE1-4C2F-98F8-6765A446BB7D}" type="datetimeFigureOut">
               <a:rPr lang="en-US" smtClean="0"/>
-              <a:t>1/15/2021</a:t>
+              <a:t>1/18/2021</a:t>
             </a:fld>
             <a:endParaRPr lang="en-US"/>
           </a:p>
@@ -2193,7 +2200,7 @@
           <a:p>
             <a:fld id="{FADDCE8E-CEE1-4C2F-98F8-6765A446BB7D}" type="datetimeFigureOut">
               <a:rPr lang="en-US" smtClean="0"/>
-              <a:t>1/15/2021</a:t>
+              <a:t>1/18/2021</a:t>
             </a:fld>
             <a:endParaRPr lang="en-US"/>
           </a:p>
@@ -2605,7 +2612,7 @@
           <a:p>
             <a:fld id="{FADDCE8E-CEE1-4C2F-98F8-6765A446BB7D}" type="datetimeFigureOut">
               <a:rPr lang="en-US" smtClean="0"/>
-              <a:t>1/15/2021</a:t>
+              <a:t>1/18/2021</a:t>
             </a:fld>
             <a:endParaRPr lang="en-US"/>
           </a:p>
@@ -2746,7 +2753,7 @@
           <a:p>
             <a:fld id="{FADDCE8E-CEE1-4C2F-98F8-6765A446BB7D}" type="datetimeFigureOut">
               <a:rPr lang="en-US" smtClean="0"/>
-              <a:t>1/15/2021</a:t>
+              <a:t>1/18/2021</a:t>
             </a:fld>
             <a:endParaRPr lang="en-US"/>
           </a:p>
@@ -2859,7 +2866,7 @@
           <a:p>
             <a:fld id="{FADDCE8E-CEE1-4C2F-98F8-6765A446BB7D}" type="datetimeFigureOut">
               <a:rPr lang="en-US" smtClean="0"/>
-              <a:t>1/15/2021</a:t>
+              <a:t>1/18/2021</a:t>
             </a:fld>
             <a:endParaRPr lang="en-US"/>
           </a:p>
@@ -3170,7 +3177,7 @@
           <a:p>
             <a:fld id="{FADDCE8E-CEE1-4C2F-98F8-6765A446BB7D}" type="datetimeFigureOut">
               <a:rPr lang="en-US" smtClean="0"/>
-              <a:t>1/15/2021</a:t>
+              <a:t>1/18/2021</a:t>
             </a:fld>
             <a:endParaRPr lang="en-US"/>
           </a:p>
@@ -3458,7 +3465,7 @@
           <a:p>
             <a:fld id="{FADDCE8E-CEE1-4C2F-98F8-6765A446BB7D}" type="datetimeFigureOut">
               <a:rPr lang="en-US" smtClean="0"/>
-              <a:t>1/15/2021</a:t>
+              <a:t>1/18/2021</a:t>
             </a:fld>
             <a:endParaRPr lang="en-US"/>
           </a:p>
@@ -3699,7 +3706,7 @@
           <a:p>
             <a:fld id="{FADDCE8E-CEE1-4C2F-98F8-6765A446BB7D}" type="datetimeFigureOut">
               <a:rPr lang="en-US" smtClean="0"/>
-              <a:t>1/15/2021</a:t>
+              <a:t>1/18/2021</a:t>
             </a:fld>
             <a:endParaRPr lang="en-US"/>
           </a:p>
@@ -4826,6 +4833,566 @@
 </p:sld>
 </file>
 
+<file path=ppt/slides/slide10.xml><?xml version="1.0" encoding="utf-8"?>
+<p:sld xmlns:a="http://schemas.openxmlformats.org/drawingml/2006/main" xmlns:r="http://schemas.openxmlformats.org/officeDocument/2006/relationships" xmlns:p="http://schemas.openxmlformats.org/presentationml/2006/main">
+  <p:cSld>
+    <p:bg>
+      <p:bgPr>
+        <a:solidFill>
+          <a:schemeClr val="bg1"/>
+        </a:solidFill>
+        <a:effectLst/>
+      </p:bgPr>
+    </p:bg>
+    <p:spTree>
+      <p:nvGrpSpPr>
+        <p:cNvPr id="1" name=""/>
+        <p:cNvGrpSpPr/>
+        <p:nvPr/>
+      </p:nvGrpSpPr>
+      <p:grpSpPr>
+        <a:xfrm>
+          <a:off x="0" y="0"/>
+          <a:ext cx="0" cy="0"/>
+          <a:chOff x="0" y="0"/>
+          <a:chExt cx="0" cy="0"/>
+        </a:xfrm>
+      </p:grpSpPr>
+      <p:sp>
+        <p:nvSpPr>
+          <p:cNvPr id="2" name="Title 1">
+            <a:extLst>
+              <a:ext uri="{FF2B5EF4-FFF2-40B4-BE49-F238E27FC236}">
+                <a16:creationId xmlns:a16="http://schemas.microsoft.com/office/drawing/2014/main" id="{E34D2927-8A1D-4CD3-B090-7A0EFF59EC4B}"/>
+              </a:ext>
+            </a:extLst>
+          </p:cNvPr>
+          <p:cNvSpPr>
+            <a:spLocks noGrp="1"/>
+          </p:cNvSpPr>
+          <p:nvPr>
+            <p:ph type="title"/>
+          </p:nvPr>
+        </p:nvSpPr>
+        <p:spPr>
+          <a:xfrm>
+            <a:off x="841249" y="365760"/>
+            <a:ext cx="9912072" cy="1188404"/>
+          </a:xfrm>
+        </p:spPr>
+        <p:txBody>
+          <a:bodyPr>
+            <a:normAutofit/>
+          </a:bodyPr>
+          <a:lstStyle/>
+          <a:p>
+            <a:r>
+              <a:rPr lang="en-US" dirty="0"/>
+              <a:t>Summary</a:t>
+            </a:r>
+          </a:p>
+        </p:txBody>
+      </p:sp>
+      <p:sp>
+        <p:nvSpPr>
+          <p:cNvPr id="30" name="Freeform: Shape 7">
+            <a:extLst>
+              <a:ext uri="{FF2B5EF4-FFF2-40B4-BE49-F238E27FC236}">
+                <a16:creationId xmlns:a16="http://schemas.microsoft.com/office/drawing/2014/main" id="{F0BC1D9E-4401-4EC0-88FD-ED103CB570EA}"/>
+              </a:ext>
+              <a:ext uri="{C183D7F6-B498-43B3-948B-1728B52AA6E4}">
+                <adec:decorative xmlns:adec="http://schemas.microsoft.com/office/drawing/2017/decorative" val="1"/>
+              </a:ext>
+            </a:extLst>
+          </p:cNvPr>
+          <p:cNvSpPr>
+            <a:spLocks noGrp="1" noRot="1" noChangeAspect="1" noMove="1" noResize="1" noEditPoints="1" noAdjustHandles="1" noChangeArrowheads="1" noChangeShapeType="1" noTextEdit="1"/>
+          </p:cNvSpPr>
+          <p:nvPr>
+            <p:extLst>
+              <p:ext uri="{386F3935-93C4-4BCD-93E2-E3B085C9AB24}">
+                <p16:designElem xmlns:p16="http://schemas.microsoft.com/office/powerpoint/2015/main" val="1"/>
+              </p:ext>
+            </p:extLst>
+          </p:nvPr>
+        </p:nvSpPr>
+        <p:spPr>
+          <a:xfrm>
+            <a:off x="11000670" y="2"/>
+            <a:ext cx="1191330" cy="1511301"/>
+          </a:xfrm>
+          <a:custGeom>
+            <a:avLst/>
+            <a:gdLst>
+              <a:gd name="connsiteX0" fmla="*/ 697617 w 1191330"/>
+              <a:gd name="connsiteY0" fmla="*/ 0 h 1511301"/>
+              <a:gd name="connsiteX1" fmla="*/ 1191330 w 1191330"/>
+              <a:gd name="connsiteY1" fmla="*/ 0 h 1511301"/>
+              <a:gd name="connsiteX2" fmla="*/ 1191330 w 1191330"/>
+              <a:gd name="connsiteY2" fmla="*/ 1511301 h 1511301"/>
+              <a:gd name="connsiteX3" fmla="*/ 0 w 1191330"/>
+              <a:gd name="connsiteY3" fmla="*/ 1511301 h 1511301"/>
+            </a:gdLst>
+            <a:ahLst/>
+            <a:cxnLst>
+              <a:cxn ang="0">
+                <a:pos x="connsiteX0" y="connsiteY0"/>
+              </a:cxn>
+              <a:cxn ang="0">
+                <a:pos x="connsiteX1" y="connsiteY1"/>
+              </a:cxn>
+              <a:cxn ang="0">
+                <a:pos x="connsiteX2" y="connsiteY2"/>
+              </a:cxn>
+              <a:cxn ang="0">
+                <a:pos x="connsiteX3" y="connsiteY3"/>
+              </a:cxn>
+            </a:cxnLst>
+            <a:rect l="l" t="t" r="r" b="b"/>
+            <a:pathLst>
+              <a:path w="1191330" h="1511301">
+                <a:moveTo>
+                  <a:pt x="697617" y="0"/>
+                </a:moveTo>
+                <a:lnTo>
+                  <a:pt x="1191330" y="0"/>
+                </a:lnTo>
+                <a:lnTo>
+                  <a:pt x="1191330" y="1511301"/>
+                </a:lnTo>
+                <a:lnTo>
+                  <a:pt x="0" y="1511301"/>
+                </a:lnTo>
+                <a:close/>
+              </a:path>
+            </a:pathLst>
+          </a:custGeom>
+          <a:solidFill>
+            <a:schemeClr val="accent4"/>
+          </a:solidFill>
+          <a:ln>
+            <a:noFill/>
+          </a:ln>
+        </p:spPr>
+        <p:style>
+          <a:lnRef idx="2">
+            <a:schemeClr val="accent1">
+              <a:shade val="50000"/>
+            </a:schemeClr>
+          </a:lnRef>
+          <a:fillRef idx="1">
+            <a:schemeClr val="accent1"/>
+          </a:fillRef>
+          <a:effectRef idx="0">
+            <a:schemeClr val="accent1"/>
+          </a:effectRef>
+          <a:fontRef idx="minor">
+            <a:schemeClr val="lt1"/>
+          </a:fontRef>
+        </p:style>
+        <p:txBody>
+          <a:bodyPr wrap="square" rtlCol="0" anchor="ctr">
+            <a:noAutofit/>
+          </a:bodyPr>
+          <a:lstStyle/>
+          <a:p>
+            <a:pPr algn="ctr"/>
+            <a:endParaRPr lang="en-US"/>
+          </a:p>
+        </p:txBody>
+      </p:sp>
+      <p:sp>
+        <p:nvSpPr>
+          <p:cNvPr id="31" name="Freeform: Shape 9">
+            <a:extLst>
+              <a:ext uri="{FF2B5EF4-FFF2-40B4-BE49-F238E27FC236}">
+                <a16:creationId xmlns:a16="http://schemas.microsoft.com/office/drawing/2014/main" id="{6200B311-3585-4069-AAC6-CD443FA5B8AD}"/>
+              </a:ext>
+              <a:ext uri="{C183D7F6-B498-43B3-948B-1728B52AA6E4}">
+                <adec:decorative xmlns:adec="http://schemas.microsoft.com/office/drawing/2017/decorative" val="1"/>
+              </a:ext>
+            </a:extLst>
+          </p:cNvPr>
+          <p:cNvSpPr>
+            <a:spLocks noGrp="1" noRot="1" noChangeAspect="1" noMove="1" noResize="1" noEditPoints="1" noAdjustHandles="1" noChangeArrowheads="1" noChangeShapeType="1" noTextEdit="1"/>
+          </p:cNvSpPr>
+          <p:nvPr>
+            <p:extLst>
+              <p:ext uri="{386F3935-93C4-4BCD-93E2-E3B085C9AB24}">
+                <p16:designElem xmlns:p16="http://schemas.microsoft.com/office/powerpoint/2015/main" val="1"/>
+              </p:ext>
+            </p:extLst>
+          </p:nvPr>
+        </p:nvSpPr>
+        <p:spPr>
+          <a:xfrm>
+            <a:off x="8523986" y="1690688"/>
+            <a:ext cx="3668014" cy="5167312"/>
+          </a:xfrm>
+          <a:custGeom>
+            <a:avLst/>
+            <a:gdLst>
+              <a:gd name="connsiteX0" fmla="*/ 2391664 w 3668014"/>
+              <a:gd name="connsiteY0" fmla="*/ 0 h 5167312"/>
+              <a:gd name="connsiteX1" fmla="*/ 3668014 w 3668014"/>
+              <a:gd name="connsiteY1" fmla="*/ 0 h 5167312"/>
+              <a:gd name="connsiteX2" fmla="*/ 3668014 w 3668014"/>
+              <a:gd name="connsiteY2" fmla="*/ 5167312 h 5167312"/>
+              <a:gd name="connsiteX3" fmla="*/ 0 w 3668014"/>
+              <a:gd name="connsiteY3" fmla="*/ 5167312 h 5167312"/>
+              <a:gd name="connsiteX4" fmla="*/ 2393879 w 3668014"/>
+              <a:gd name="connsiteY4" fmla="*/ 952 h 5167312"/>
+              <a:gd name="connsiteX5" fmla="*/ 2391664 w 3668014"/>
+              <a:gd name="connsiteY5" fmla="*/ 952 h 5167312"/>
+            </a:gdLst>
+            <a:ahLst/>
+            <a:cxnLst>
+              <a:cxn ang="0">
+                <a:pos x="connsiteX0" y="connsiteY0"/>
+              </a:cxn>
+              <a:cxn ang="0">
+                <a:pos x="connsiteX1" y="connsiteY1"/>
+              </a:cxn>
+              <a:cxn ang="0">
+                <a:pos x="connsiteX2" y="connsiteY2"/>
+              </a:cxn>
+              <a:cxn ang="0">
+                <a:pos x="connsiteX3" y="connsiteY3"/>
+              </a:cxn>
+              <a:cxn ang="0">
+                <a:pos x="connsiteX4" y="connsiteY4"/>
+              </a:cxn>
+              <a:cxn ang="0">
+                <a:pos x="connsiteX5" y="connsiteY5"/>
+              </a:cxn>
+            </a:cxnLst>
+            <a:rect l="l" t="t" r="r" b="b"/>
+            <a:pathLst>
+              <a:path w="3668014" h="5167312">
+                <a:moveTo>
+                  <a:pt x="2391664" y="0"/>
+                </a:moveTo>
+                <a:lnTo>
+                  <a:pt x="3668014" y="0"/>
+                </a:lnTo>
+                <a:lnTo>
+                  <a:pt x="3668014" y="5167312"/>
+                </a:lnTo>
+                <a:lnTo>
+                  <a:pt x="0" y="5167312"/>
+                </a:lnTo>
+                <a:lnTo>
+                  <a:pt x="2393879" y="952"/>
+                </a:lnTo>
+                <a:lnTo>
+                  <a:pt x="2391664" y="952"/>
+                </a:lnTo>
+                <a:close/>
+              </a:path>
+            </a:pathLst>
+          </a:custGeom>
+          <a:solidFill>
+            <a:srgbClr val="A6A6A6">
+              <a:alpha val="49804"/>
+            </a:srgbClr>
+          </a:solidFill>
+          <a:ln>
+            <a:noFill/>
+          </a:ln>
+        </p:spPr>
+        <p:style>
+          <a:lnRef idx="2">
+            <a:schemeClr val="accent1">
+              <a:shade val="50000"/>
+            </a:schemeClr>
+          </a:lnRef>
+          <a:fillRef idx="1">
+            <a:schemeClr val="accent1"/>
+          </a:fillRef>
+          <a:effectRef idx="0">
+            <a:schemeClr val="accent1"/>
+          </a:effectRef>
+          <a:fontRef idx="minor">
+            <a:schemeClr val="lt1"/>
+          </a:fontRef>
+        </p:style>
+        <p:txBody>
+          <a:bodyPr wrap="square" rtlCol="0" anchor="ctr">
+            <a:noAutofit/>
+          </a:bodyPr>
+          <a:lstStyle/>
+          <a:p>
+            <a:pPr algn="ctr"/>
+            <a:endParaRPr lang="en-US"/>
+          </a:p>
+        </p:txBody>
+      </p:sp>
+      <p:sp>
+        <p:nvSpPr>
+          <p:cNvPr id="32" name="Freeform: Shape 11">
+            <a:extLst>
+              <a:ext uri="{FF2B5EF4-FFF2-40B4-BE49-F238E27FC236}">
+                <a16:creationId xmlns:a16="http://schemas.microsoft.com/office/drawing/2014/main" id="{B0AAF7C9-094E-400C-A428-F6C2262F6527}"/>
+              </a:ext>
+              <a:ext uri="{C183D7F6-B498-43B3-948B-1728B52AA6E4}">
+                <adec:decorative xmlns:adec="http://schemas.microsoft.com/office/drawing/2017/decorative" val="1"/>
+              </a:ext>
+            </a:extLst>
+          </p:cNvPr>
+          <p:cNvSpPr>
+            <a:spLocks noGrp="1" noRot="1" noChangeAspect="1" noMove="1" noResize="1" noEditPoints="1" noAdjustHandles="1" noChangeArrowheads="1" noChangeShapeType="1" noTextEdit="1"/>
+          </p:cNvSpPr>
+          <p:nvPr>
+            <p:extLst>
+              <p:ext uri="{386F3935-93C4-4BCD-93E2-E3B085C9AB24}">
+                <p16:designElem xmlns:p16="http://schemas.microsoft.com/office/powerpoint/2015/main" val="1"/>
+              </p:ext>
+            </p:extLst>
+          </p:nvPr>
+        </p:nvSpPr>
+        <p:spPr>
+          <a:xfrm>
+            <a:off x="0" y="1690688"/>
+            <a:ext cx="10753320" cy="5167312"/>
+          </a:xfrm>
+          <a:custGeom>
+            <a:avLst/>
+            <a:gdLst>
+              <a:gd name="connsiteX0" fmla="*/ 0 w 10753320"/>
+              <a:gd name="connsiteY0" fmla="*/ 0 h 5167312"/>
+              <a:gd name="connsiteX1" fmla="*/ 9680943 w 10753320"/>
+              <a:gd name="connsiteY1" fmla="*/ 0 h 5167312"/>
+              <a:gd name="connsiteX2" fmla="*/ 9680223 w 10753320"/>
+              <a:gd name="connsiteY2" fmla="*/ 952 h 5167312"/>
+              <a:gd name="connsiteX3" fmla="*/ 10753320 w 10753320"/>
+              <a:gd name="connsiteY3" fmla="*/ 952 h 5167312"/>
+              <a:gd name="connsiteX4" fmla="*/ 8359441 w 10753320"/>
+              <a:gd name="connsiteY4" fmla="*/ 5167312 h 5167312"/>
+              <a:gd name="connsiteX5" fmla="*/ 4821866 w 10753320"/>
+              <a:gd name="connsiteY5" fmla="*/ 5167312 h 5167312"/>
+              <a:gd name="connsiteX6" fmla="*/ 4821866 w 10753320"/>
+              <a:gd name="connsiteY6" fmla="*/ 5166360 h 5167312"/>
+              <a:gd name="connsiteX7" fmla="*/ 0 w 10753320"/>
+              <a:gd name="connsiteY7" fmla="*/ 5166360 h 5167312"/>
+            </a:gdLst>
+            <a:ahLst/>
+            <a:cxnLst>
+              <a:cxn ang="0">
+                <a:pos x="connsiteX0" y="connsiteY0"/>
+              </a:cxn>
+              <a:cxn ang="0">
+                <a:pos x="connsiteX1" y="connsiteY1"/>
+              </a:cxn>
+              <a:cxn ang="0">
+                <a:pos x="connsiteX2" y="connsiteY2"/>
+              </a:cxn>
+              <a:cxn ang="0">
+                <a:pos x="connsiteX3" y="connsiteY3"/>
+              </a:cxn>
+              <a:cxn ang="0">
+                <a:pos x="connsiteX4" y="connsiteY4"/>
+              </a:cxn>
+              <a:cxn ang="0">
+                <a:pos x="connsiteX5" y="connsiteY5"/>
+              </a:cxn>
+              <a:cxn ang="0">
+                <a:pos x="connsiteX6" y="connsiteY6"/>
+              </a:cxn>
+              <a:cxn ang="0">
+                <a:pos x="connsiteX7" y="connsiteY7"/>
+              </a:cxn>
+            </a:cxnLst>
+            <a:rect l="l" t="t" r="r" b="b"/>
+            <a:pathLst>
+              <a:path w="10753320" h="5167312">
+                <a:moveTo>
+                  <a:pt x="0" y="0"/>
+                </a:moveTo>
+                <a:lnTo>
+                  <a:pt x="9680943" y="0"/>
+                </a:lnTo>
+                <a:lnTo>
+                  <a:pt x="9680223" y="952"/>
+                </a:lnTo>
+                <a:lnTo>
+                  <a:pt x="10753320" y="952"/>
+                </a:lnTo>
+                <a:lnTo>
+                  <a:pt x="8359441" y="5167312"/>
+                </a:lnTo>
+                <a:lnTo>
+                  <a:pt x="4821866" y="5167312"/>
+                </a:lnTo>
+                <a:lnTo>
+                  <a:pt x="4821866" y="5166360"/>
+                </a:lnTo>
+                <a:lnTo>
+                  <a:pt x="0" y="5166360"/>
+                </a:lnTo>
+                <a:close/>
+              </a:path>
+            </a:pathLst>
+          </a:custGeom>
+          <a:solidFill>
+            <a:srgbClr val="303030"/>
+          </a:solidFill>
+          <a:ln>
+            <a:noFill/>
+          </a:ln>
+        </p:spPr>
+        <p:style>
+          <a:lnRef idx="2">
+            <a:schemeClr val="accent1">
+              <a:shade val="50000"/>
+            </a:schemeClr>
+          </a:lnRef>
+          <a:fillRef idx="1">
+            <a:schemeClr val="accent1"/>
+          </a:fillRef>
+          <a:effectRef idx="0">
+            <a:schemeClr val="accent1"/>
+          </a:effectRef>
+          <a:fontRef idx="minor">
+            <a:schemeClr val="lt1"/>
+          </a:fontRef>
+        </p:style>
+        <p:txBody>
+          <a:bodyPr wrap="square" rtlCol="0" anchor="ctr">
+            <a:noAutofit/>
+          </a:bodyPr>
+          <a:lstStyle/>
+          <a:p>
+            <a:pPr algn="ctr"/>
+            <a:endParaRPr lang="en-US"/>
+          </a:p>
+        </p:txBody>
+      </p:sp>
+      <p:sp>
+        <p:nvSpPr>
+          <p:cNvPr id="3" name="Content Placeholder 2">
+            <a:extLst>
+              <a:ext uri="{FF2B5EF4-FFF2-40B4-BE49-F238E27FC236}">
+                <a16:creationId xmlns:a16="http://schemas.microsoft.com/office/drawing/2014/main" id="{F5A91344-DD30-45AD-A9A8-2C0F4F7E6E91}"/>
+              </a:ext>
+            </a:extLst>
+          </p:cNvPr>
+          <p:cNvSpPr>
+            <a:spLocks noGrp="1"/>
+          </p:cNvSpPr>
+          <p:nvPr>
+            <p:ph idx="1"/>
+          </p:nvPr>
+        </p:nvSpPr>
+        <p:spPr>
+          <a:xfrm>
+            <a:off x="841248" y="2174358"/>
+            <a:ext cx="7731642" cy="4045467"/>
+          </a:xfrm>
+        </p:spPr>
+        <p:txBody>
+          <a:bodyPr anchor="t">
+            <a:normAutofit/>
+          </a:bodyPr>
+          <a:lstStyle/>
+          <a:p>
+            <a:pPr>
+              <a:lnSpc>
+                <a:spcPct val="107000"/>
+              </a:lnSpc>
+              <a:spcBef>
+                <a:spcPts val="0"/>
+              </a:spcBef>
+              <a:spcAft>
+                <a:spcPts val="800"/>
+              </a:spcAft>
+            </a:pPr>
+            <a:r>
+              <a:rPr lang="en-US" sz="2400" dirty="0">
+                <a:solidFill>
+                  <a:schemeClr val="bg1"/>
+                </a:solidFill>
+              </a:rPr>
+              <a:t>Scenario #2 i.e. to increase the vertical drop by adding a run to a point 150 feet lower down, seems most promising.</a:t>
+            </a:r>
+          </a:p>
+          <a:p>
+            <a:pPr>
+              <a:lnSpc>
+                <a:spcPct val="107000"/>
+              </a:lnSpc>
+              <a:spcBef>
+                <a:spcPts val="0"/>
+              </a:spcBef>
+              <a:spcAft>
+                <a:spcPts val="800"/>
+              </a:spcAft>
+            </a:pPr>
+            <a:r>
+              <a:rPr lang="en-US" sz="2400" dirty="0">
+                <a:solidFill>
+                  <a:schemeClr val="bg1"/>
+                </a:solidFill>
+              </a:rPr>
+              <a:t>Shows to increase support for ticket price by $1.99, over the season amounting to $3.47M .</a:t>
+            </a:r>
+          </a:p>
+          <a:p>
+            <a:pPr>
+              <a:lnSpc>
+                <a:spcPct val="107000"/>
+              </a:lnSpc>
+              <a:spcBef>
+                <a:spcPts val="0"/>
+              </a:spcBef>
+              <a:spcAft>
+                <a:spcPts val="800"/>
+              </a:spcAft>
+            </a:pPr>
+            <a:r>
+              <a:rPr lang="en-US" sz="2400" dirty="0">
+                <a:solidFill>
+                  <a:schemeClr val="bg1"/>
+                </a:solidFill>
+              </a:rPr>
+              <a:t>Assuming on an average a visitor would buy 5 day tickets).</a:t>
+            </a:r>
+          </a:p>
+          <a:p>
+            <a:pPr>
+              <a:lnSpc>
+                <a:spcPct val="107000"/>
+              </a:lnSpc>
+              <a:spcBef>
+                <a:spcPts val="0"/>
+              </a:spcBef>
+              <a:spcAft>
+                <a:spcPts val="800"/>
+              </a:spcAft>
+            </a:pPr>
+            <a:r>
+              <a:rPr lang="en-US" sz="2400" dirty="0">
+                <a:solidFill>
+                  <a:schemeClr val="bg1"/>
+                </a:solidFill>
+              </a:rPr>
+              <a:t>However, this would also incur the additional cost of the new chair lift per ticket.</a:t>
+            </a:r>
+          </a:p>
+        </p:txBody>
+      </p:sp>
+    </p:spTree>
+    <p:extLst>
+      <p:ext uri="{BB962C8B-B14F-4D97-AF65-F5344CB8AC3E}">
+        <p14:creationId xmlns:p14="http://schemas.microsoft.com/office/powerpoint/2010/main" val="969398882"/>
+      </p:ext>
+    </p:extLst>
+  </p:cSld>
+  <p:clrMapOvr>
+    <a:masterClrMapping/>
+  </p:clrMapOvr>
+</p:sld>
+</file>
+
 <file path=ppt/slides/slide2.xml><?xml version="1.0" encoding="utf-8"?>
 <p:sld xmlns:a="http://schemas.openxmlformats.org/drawingml/2006/main" xmlns:r="http://schemas.openxmlformats.org/officeDocument/2006/relationships" xmlns:p="http://schemas.openxmlformats.org/presentationml/2006/main">
   <p:cSld>
@@ -5380,7 +5947,7 @@
         </p:spPr>
         <p:txBody>
           <a:bodyPr>
-            <a:normAutofit fontScale="92500" lnSpcReduction="10000"/>
+            <a:normAutofit lnSpcReduction="10000"/>
           </a:bodyPr>
           <a:lstStyle/>
           <a:p>
@@ -5395,25 +5962,23 @@
           <a:p>
             <a:r>
               <a:rPr lang="en-US" sz="2000" dirty="0"/>
-              <a:t>Big Mountain Resort has recently installed an additional chair lift to help increase the distribution of visitors across the mountain. </a:t>
+              <a:t>The resort has recently installed an additional chair lift to help increase the distribution of visitors across the mountain. </a:t>
             </a:r>
           </a:p>
           <a:p>
             <a:r>
               <a:rPr lang="en-US" sz="2000" dirty="0"/>
-              <a:t>This additional chair increases their operating costs by $1,540,000 this season. </a:t>
+              <a:t>This additional chair increases their operating costs by $1.54M this season. </a:t>
             </a:r>
           </a:p>
           <a:p>
             <a:r>
               <a:rPr lang="en-US" sz="2000" dirty="0"/>
-              <a:t>Need is to recommend changes that cut costs without undermining the ticket price or will support an even higher ticket price.</a:t>
-            </a:r>
-          </a:p>
-          <a:p>
-            <a:pPr marL="0" indent="0">
-              <a:buNone/>
-            </a:pPr>
+              <a:t>Recommend changes that cut costs.</a:t>
+            </a:r>
+            <a:br>
+              <a:rPr lang="en-US" sz="2000" dirty="0"/>
+            </a:br>
             <a:endParaRPr lang="en-US" sz="2000" dirty="0"/>
           </a:p>
           <a:p>
@@ -5463,26 +6028,11 @@
               <a:buNone/>
             </a:pPr>
             <a:r>
-              <a:rPr lang="en-US" sz="2000" b="0" i="0" u="none" strike="noStrike" cap="none" dirty="0">
-                <a:solidFill>
-                  <a:srgbClr val="000000"/>
-                </a:solidFill>
-                <a:latin typeface="Arial"/>
-                <a:ea typeface="Arial"/>
-                <a:cs typeface="Arial"/>
+              <a:rPr lang="en-US" sz="2000" dirty="0">
                 <a:sym typeface="Arial"/>
               </a:rPr>
               <a:t>Analyze the data from the 330 resorts in the US.</a:t>
             </a:r>
-            <a:endParaRPr lang="en-US" sz="2800" b="0" i="0" u="none" strike="noStrike" cap="none" dirty="0">
-              <a:solidFill>
-                <a:srgbClr val="000000"/>
-              </a:solidFill>
-              <a:latin typeface="Arial"/>
-              <a:ea typeface="Arial"/>
-              <a:cs typeface="Arial"/>
-              <a:sym typeface="Arial"/>
-            </a:endParaRPr>
           </a:p>
           <a:p>
             <a:pPr marL="0" indent="0">
@@ -6072,12 +6622,15 @@
             </a:r>
           </a:p>
           <a:p>
-            <a:pPr marL="0" indent="0">
-              <a:buNone/>
-            </a:pPr>
             <a:r>
               <a:rPr lang="en-US" sz="2000" dirty="0"/>
-              <a:t>Taking Market Average hasn’t proved to be successful in the past and does not provide the business with a good sense of how important some facilities are compared to others.</a:t>
+              <a:t>Taking Market Average hasn’t proved to be successful in the past </a:t>
+            </a:r>
+          </a:p>
+          <a:p>
+            <a:r>
+              <a:rPr lang="en-US" sz="2000" dirty="0"/>
+              <a:t>Does not reliably provide importance of facilities to business</a:t>
             </a:r>
           </a:p>
           <a:p>
@@ -6092,78 +6645,26 @@
             </a:pPr>
             <a:r>
               <a:rPr lang="en-US" sz="2000" b="1" dirty="0"/>
-              <a:t> Stakeholders to provide key insight:</a:t>
-            </a:r>
-          </a:p>
-          <a:p>
-            <a:pPr>
-              <a:lnSpc>
-                <a:spcPct val="100000"/>
-              </a:lnSpc>
-              <a:spcBef>
-                <a:spcPts val="0"/>
-              </a:spcBef>
-            </a:pPr>
-            <a:r>
-              <a:rPr lang="en-US" sz="2000" dirty="0">
-                <a:sym typeface="Arial"/>
-              </a:rPr>
-              <a:t>Jimmy Blackburn - Director of Operations</a:t>
-            </a:r>
-          </a:p>
-          <a:p>
-            <a:pPr>
-              <a:lnSpc>
-                <a:spcPct val="100000"/>
-              </a:lnSpc>
-              <a:spcBef>
-                <a:spcPts val="0"/>
-              </a:spcBef>
-            </a:pPr>
-            <a:r>
-              <a:rPr lang="en-US" sz="2000" dirty="0">
-                <a:sym typeface="Arial"/>
-              </a:rPr>
-              <a:t>Alesha Eisen - Database Manager</a:t>
-            </a:r>
-          </a:p>
-          <a:p>
-            <a:pPr marL="0" indent="0">
-              <a:buNone/>
-            </a:pPr>
-            <a:endParaRPr lang="en-US" sz="2000" dirty="0"/>
-          </a:p>
-          <a:p>
-            <a:pPr marL="0" indent="0">
-              <a:buNone/>
-            </a:pPr>
-            <a:r>
-              <a:rPr lang="en-US" sz="2000" b="1" dirty="0"/>
               <a:t>Key data sources:</a:t>
             </a:r>
           </a:p>
           <a:p>
-            <a:pPr marL="0" indent="0">
-              <a:buNone/>
-            </a:pPr>
             <a:r>
               <a:rPr lang="en-US" sz="2000" dirty="0"/>
               <a:t>CSV file from the database manager. </a:t>
             </a:r>
           </a:p>
           <a:p>
-            <a:pPr marL="0" indent="0">
-              <a:buNone/>
-            </a:pPr>
             <a:r>
               <a:rPr lang="en-US" sz="2000" dirty="0"/>
-              <a:t>Data contains information from 330 resorts in the US that can be considered part of the same market share and we have these same data columns for Big Mountain Resort.</a:t>
-            </a:r>
-          </a:p>
-          <a:p>
-            <a:pPr marL="0" indent="0">
-              <a:buNone/>
-            </a:pPr>
+              <a:t>Contains information from 330 resorts in the US</a:t>
+            </a:r>
+          </a:p>
+          <a:p>
+            <a:r>
+              <a:rPr lang="en-US" sz="2000" dirty="0"/>
+              <a:t>All resorts considered part of the same market share</a:t>
+            </a:r>
             <a:endParaRPr lang="en-US" sz="2000" b="1" dirty="0"/>
           </a:p>
         </p:txBody>
@@ -6236,7 +6737,7 @@
           <a:p>
             <a:r>
               <a:rPr lang="en-US" dirty="0"/>
-              <a:t>Recommendations and Key Findings</a:t>
+              <a:t>Key Findings</a:t>
             </a:r>
           </a:p>
         </p:txBody>
@@ -6739,13 +7240,28 @@
           </a:bodyPr>
           <a:lstStyle/>
           <a:p>
+            <a:r>
+              <a:rPr lang="en-US" sz="2000" dirty="0"/>
+              <a:t>Big Mountain is very high up the league table of snow making area</a:t>
+            </a:r>
+          </a:p>
+          <a:p>
+            <a:r>
+              <a:rPr lang="en-US" sz="2000" dirty="0"/>
+              <a:t>Doing well for vertical drop </a:t>
+            </a:r>
+          </a:p>
+          <a:p>
+            <a:r>
+              <a:rPr lang="en-US" sz="2000" dirty="0"/>
+              <a:t>Amongst the resorts with the largest amount of skiable terrain</a:t>
+            </a:r>
+          </a:p>
+          <a:p>
             <a:pPr marL="0" indent="0">
               <a:buNone/>
             </a:pPr>
-            <a:r>
-              <a:rPr lang="en-US" sz="2000" dirty="0"/>
-              <a:t>Big Mountain is very high up the league table of snow making area. It is doing well for vertical drop and is amongst the resorts with the largest amount of skiable terrain.</a:t>
-            </a:r>
+            <a:endParaRPr lang="en-US" sz="2000" dirty="0"/>
           </a:p>
           <a:p>
             <a:pPr marL="0" indent="0">
@@ -6753,71 +7269,128 @@
             </a:pPr>
             <a:endParaRPr lang="en-US" sz="2000" b="1" dirty="0"/>
           </a:p>
-          <a:p>
-            <a:pPr marL="0" indent="0">
-              <a:buNone/>
-            </a:pPr>
-            <a:r>
-              <a:rPr lang="en-US" sz="2000" b="1" dirty="0"/>
-              <a:t>Increase the vertical drop by adding a run to a point 150 feet lower down:</a:t>
-            </a:r>
-          </a:p>
-          <a:p>
-            <a:r>
-              <a:rPr lang="en-US" sz="2000" dirty="0"/>
-              <a:t>This scenario seemed most promising, but requiring the installation of an additional chair lift to bring skiers back up, without additional snow making coverage.</a:t>
-            </a:r>
-            <a:endParaRPr lang="en-US" sz="2000" b="1" dirty="0"/>
-          </a:p>
-          <a:p>
-            <a:r>
-              <a:rPr lang="en-US" sz="2000" dirty="0"/>
-              <a:t>It shows to </a:t>
-            </a:r>
-            <a:r>
-              <a:rPr lang="en-US" sz="2000" b="1" dirty="0"/>
-              <a:t>increase support for ticket price by $1.99</a:t>
-            </a:r>
-            <a:r>
-              <a:rPr lang="en-US" sz="2000" dirty="0"/>
-              <a:t>, which over the season could be </a:t>
-            </a:r>
-            <a:r>
-              <a:rPr lang="en-US" sz="2000" b="1" dirty="0"/>
-              <a:t>expected to amount to $3.47M </a:t>
-            </a:r>
-            <a:r>
-              <a:rPr lang="en-US" sz="2000" dirty="0"/>
-              <a:t>(taking an assumption that on an average a visitor would buy 5 day tickets).</a:t>
-            </a:r>
-          </a:p>
-          <a:p>
-            <a:pPr marL="0" indent="0">
-              <a:buNone/>
-            </a:pPr>
-            <a:endParaRPr lang="en-US" sz="2000" b="1" dirty="0"/>
-          </a:p>
-          <a:p>
-            <a:pPr marL="0" indent="0">
-              <a:buNone/>
-            </a:pPr>
-            <a:r>
-              <a:rPr lang="en-US" sz="2000" b="1" dirty="0"/>
-              <a:t>Note: </a:t>
-            </a:r>
-            <a:r>
-              <a:rPr lang="en-US" sz="2000" dirty="0"/>
-              <a:t>This would also incur the additional cost of the new chair lift per ticket and would have to be considered.</a:t>
-            </a:r>
-          </a:p>
-          <a:p>
-            <a:pPr marL="0" indent="0">
-              <a:buNone/>
-            </a:pPr>
-            <a:endParaRPr lang="en-US" sz="2000" b="1" dirty="0"/>
-          </a:p>
         </p:txBody>
       </p:sp>
+      <p:pic>
+        <p:nvPicPr>
+          <p:cNvPr id="4" name="Picture 3">
+            <a:extLst>
+              <a:ext uri="{FF2B5EF4-FFF2-40B4-BE49-F238E27FC236}">
+                <a16:creationId xmlns:a16="http://schemas.microsoft.com/office/drawing/2014/main" id="{4EFD26DD-C740-493E-91EE-3275C6CD93C7}"/>
+              </a:ext>
+            </a:extLst>
+          </p:cNvPr>
+          <p:cNvPicPr>
+            <a:picLocks noChangeAspect="1"/>
+          </p:cNvPicPr>
+          <p:nvPr/>
+        </p:nvPicPr>
+        <p:blipFill>
+          <a:blip r:embed="rId2"/>
+          <a:stretch>
+            <a:fillRect/>
+          </a:stretch>
+        </p:blipFill>
+        <p:spPr>
+          <a:xfrm>
+            <a:off x="578951" y="3159495"/>
+            <a:ext cx="3454425" cy="1900926"/>
+          </a:xfrm>
+          <a:prstGeom prst="rect">
+            <a:avLst/>
+          </a:prstGeom>
+          <a:ln>
+            <a:noFill/>
+          </a:ln>
+          <a:effectLst>
+            <a:outerShdw blurRad="292100" dist="139700" dir="2700000" algn="tl" rotWithShape="0">
+              <a:srgbClr val="333333">
+                <a:alpha val="65000"/>
+              </a:srgbClr>
+            </a:outerShdw>
+          </a:effectLst>
+        </p:spPr>
+      </p:pic>
+      <p:pic>
+        <p:nvPicPr>
+          <p:cNvPr id="6" name="Picture 5">
+            <a:extLst>
+              <a:ext uri="{FF2B5EF4-FFF2-40B4-BE49-F238E27FC236}">
+                <a16:creationId xmlns:a16="http://schemas.microsoft.com/office/drawing/2014/main" id="{4A06EA26-1DCF-4666-97CD-A5A2AFB75038}"/>
+              </a:ext>
+            </a:extLst>
+          </p:cNvPr>
+          <p:cNvPicPr>
+            <a:picLocks noChangeAspect="1"/>
+          </p:cNvPicPr>
+          <p:nvPr/>
+        </p:nvPicPr>
+        <p:blipFill>
+          <a:blip r:embed="rId3"/>
+          <a:stretch>
+            <a:fillRect/>
+          </a:stretch>
+        </p:blipFill>
+        <p:spPr>
+          <a:xfrm>
+            <a:off x="4345774" y="4006612"/>
+            <a:ext cx="3445742" cy="1900926"/>
+          </a:xfrm>
+          <a:prstGeom prst="rect">
+            <a:avLst/>
+          </a:prstGeom>
+          <a:ln>
+            <a:noFill/>
+          </a:ln>
+          <a:effectLst>
+            <a:outerShdw blurRad="292100" dist="139700" dir="2700000" algn="tl" rotWithShape="0">
+              <a:srgbClr val="333333">
+                <a:alpha val="65000"/>
+              </a:srgbClr>
+            </a:outerShdw>
+          </a:effectLst>
+        </p:spPr>
+      </p:pic>
+      <p:pic>
+        <p:nvPicPr>
+          <p:cNvPr id="9" name="Picture 8">
+            <a:extLst>
+              <a:ext uri="{FF2B5EF4-FFF2-40B4-BE49-F238E27FC236}">
+                <a16:creationId xmlns:a16="http://schemas.microsoft.com/office/drawing/2014/main" id="{56089D3F-19BF-492A-9DD2-67D04DADADAF}"/>
+              </a:ext>
+            </a:extLst>
+          </p:cNvPr>
+          <p:cNvPicPr>
+            <a:picLocks noChangeAspect="1"/>
+          </p:cNvPicPr>
+          <p:nvPr/>
+        </p:nvPicPr>
+        <p:blipFill>
+          <a:blip r:embed="rId4"/>
+          <a:stretch>
+            <a:fillRect/>
+          </a:stretch>
+        </p:blipFill>
+        <p:spPr>
+          <a:xfrm>
+            <a:off x="8210616" y="4767014"/>
+            <a:ext cx="3562283" cy="1900926"/>
+          </a:xfrm>
+          <a:prstGeom prst="rect">
+            <a:avLst/>
+          </a:prstGeom>
+          <a:ln>
+            <a:noFill/>
+          </a:ln>
+          <a:effectLst>
+            <a:outerShdw blurRad="292100" dist="139700" dir="2700000" algn="tl" rotWithShape="0">
+              <a:srgbClr val="333333">
+                <a:alpha val="65000"/>
+              </a:srgbClr>
+            </a:outerShdw>
+          </a:effectLst>
+        </p:spPr>
+      </p:pic>
     </p:spTree>
     <p:extLst>
       <p:ext uri="{BB962C8B-B14F-4D97-AF65-F5344CB8AC3E}">
@@ -6886,21 +7459,7 @@
           <a:p>
             <a:r>
               <a:rPr lang="en-US" dirty="0"/>
-              <a:t>Modeling</a:t>
-            </a:r>
-            <a:r>
-              <a:rPr lang="en-US" sz="4400" b="0" i="0" dirty="0">
-                <a:solidFill>
-                  <a:schemeClr val="bg1"/>
-                </a:solidFill>
-                <a:effectLst/>
-                <a:latin typeface="Roboto"/>
-              </a:rPr>
-              <a:t> </a:t>
-            </a:r>
-            <a:r>
-              <a:rPr lang="en-US" dirty="0"/>
-              <a:t>results and analysis</a:t>
+              <a:t>Recommendation</a:t>
             </a:r>
           </a:p>
         </p:txBody>
@@ -7393,128 +7952,83 @@
         </p:nvSpPr>
         <p:spPr>
           <a:xfrm>
-            <a:off x="1193532" y="1825624"/>
-            <a:ext cx="10160267" cy="4912059"/>
+            <a:off x="1193532" y="1825625"/>
+            <a:ext cx="10160267" cy="4351338"/>
           </a:xfrm>
         </p:spPr>
         <p:txBody>
           <a:bodyPr>
-            <a:noAutofit/>
+            <a:normAutofit/>
           </a:bodyPr>
           <a:lstStyle/>
           <a:p>
-            <a:pPr>
-              <a:lnSpc>
-                <a:spcPct val="107000"/>
-              </a:lnSpc>
-              <a:spcBef>
-                <a:spcPts val="0"/>
-              </a:spcBef>
-              <a:spcAft>
-                <a:spcPts val="800"/>
-              </a:spcAft>
+            <a:r>
+              <a:rPr lang="en-US" sz="2000" dirty="0"/>
+              <a:t>Increase the vertical drop by adding a run to a point 150 feet lower down:</a:t>
+            </a:r>
+          </a:p>
+          <a:p>
+            <a:r>
+              <a:rPr lang="en-US" sz="2000" dirty="0"/>
+              <a:t>Shows to </a:t>
+            </a:r>
+            <a:r>
+              <a:rPr lang="en-US" sz="2000" b="1" dirty="0"/>
+              <a:t>increase support for ticket price by $1.99</a:t>
+            </a:r>
+            <a:r>
+              <a:rPr lang="en-US" sz="2000" dirty="0"/>
+              <a:t>, which over the season could be </a:t>
+            </a:r>
+            <a:r>
+              <a:rPr lang="en-US" sz="2000" b="1" dirty="0"/>
+              <a:t>expected to amount to $3.47M </a:t>
+            </a:r>
+          </a:p>
+          <a:p>
+            <a:r>
+              <a:rPr lang="en-US" sz="2000" dirty="0"/>
+              <a:t>Requires the installation of an additional chair lift to bring skiers back up without additional snow making coverage.</a:t>
+            </a:r>
+            <a:endParaRPr lang="en-US" sz="2000" b="1" dirty="0"/>
+          </a:p>
+          <a:p>
+            <a:r>
+              <a:rPr lang="en-US" sz="2000" dirty="0"/>
+              <a:t>Assumption: On an average a visitor would buy 5 day tickets.</a:t>
+            </a:r>
+          </a:p>
+          <a:p>
+            <a:pPr marL="0" indent="0">
+              <a:buNone/>
             </a:pPr>
-            <a:r>
-              <a:rPr lang="en-US" sz="1800" dirty="0"/>
-              <a:t>The modelling predicted ticket price to be $95.87 as compared to the existing price of $81. Even with the expected mean absolute error of $10.39, there is room for increase. </a:t>
-            </a:r>
-          </a:p>
-          <a:p>
-            <a:pPr>
-              <a:lnSpc>
-                <a:spcPct val="107000"/>
-              </a:lnSpc>
-              <a:spcBef>
-                <a:spcPts val="0"/>
-              </a:spcBef>
-              <a:spcAft>
-                <a:spcPts val="800"/>
-              </a:spcAft>
+            <a:endParaRPr lang="en-US" sz="2000" b="1" dirty="0"/>
+          </a:p>
+          <a:p>
+            <a:pPr marL="0" indent="0">
+              <a:buNone/>
             </a:pPr>
-            <a:endParaRPr lang="en-US" sz="1800" dirty="0"/>
-          </a:p>
-          <a:p>
-            <a:pPr marL="0" marR="0">
-              <a:lnSpc>
-                <a:spcPct val="107000"/>
-              </a:lnSpc>
-              <a:spcBef>
-                <a:spcPts val="0"/>
-              </a:spcBef>
-              <a:spcAft>
-                <a:spcPts val="800"/>
-              </a:spcAft>
+            <a:r>
+              <a:rPr lang="en-US" sz="2000" b="1" dirty="0"/>
+              <a:t>Note: </a:t>
+            </a:r>
+            <a:r>
+              <a:rPr lang="en-US" sz="2000" dirty="0"/>
+              <a:t>The additional cost of the new chair lift per ticket would have to be considered.</a:t>
+            </a:r>
+          </a:p>
+          <a:p>
+            <a:pPr marL="0" indent="0">
+              <a:buNone/>
             </a:pPr>
-            <a:r>
-              <a:rPr lang="en-US" sz="1800" dirty="0"/>
-              <a:t>Modelling was run for following scenarios provided by the business:</a:t>
-            </a:r>
-          </a:p>
-          <a:p>
-            <a:pPr marL="800100" lvl="1" indent="-342900">
-              <a:lnSpc>
-                <a:spcPct val="107000"/>
-              </a:lnSpc>
-              <a:spcBef>
-                <a:spcPts val="0"/>
-              </a:spcBef>
-              <a:buFont typeface="+mj-lt"/>
-              <a:buAutoNum type="arabicPeriod"/>
-            </a:pPr>
-            <a:r>
-              <a:rPr lang="en-US" sz="1600" u="sng" dirty="0"/>
-              <a:t>Permanently closing up to 10 of the least used runs:</a:t>
-            </a:r>
-            <a:br>
-              <a:rPr lang="en-US" sz="1600" dirty="0"/>
-            </a:br>
-            <a:r>
-              <a:rPr lang="en-US" sz="1600" dirty="0"/>
-              <a:t>This doesn't impact any other resort statistics.  The model says closing one run makes no difference. Closing 2 and 3 successively reduces support for ticket price and so revenue. If Big Mountain closes down 3 runs, it seems they may as well close down 4 or 5 as there's no further loss in ticket price. Increasing the closures down to 6 or more leads to a large drop.</a:t>
-            </a:r>
-          </a:p>
-          <a:p>
-            <a:pPr marL="800100" lvl="1" indent="-342900">
-              <a:lnSpc>
-                <a:spcPct val="107000"/>
-              </a:lnSpc>
-              <a:spcBef>
-                <a:spcPts val="0"/>
-              </a:spcBef>
-              <a:buFont typeface="+mj-lt"/>
-              <a:buAutoNum type="arabicPeriod"/>
-            </a:pPr>
-            <a:endParaRPr lang="en-US" sz="1600" dirty="0"/>
-          </a:p>
-          <a:p>
-            <a:pPr marL="800100" lvl="1" indent="-342900">
-              <a:lnSpc>
-                <a:spcPct val="107000"/>
-              </a:lnSpc>
-              <a:spcBef>
-                <a:spcPts val="0"/>
-              </a:spcBef>
-              <a:buFont typeface="+mj-lt"/>
-              <a:buAutoNum type="arabicPeriod"/>
-            </a:pPr>
-            <a:r>
-              <a:rPr lang="en-US" sz="1600" u="sng" dirty="0"/>
-              <a:t>Increase the vertical drop by adding a run to a point 150 feet lower down, but requiring the installation of an additional chair lift to bring skiers back up, without additional snow making coverage:</a:t>
-            </a:r>
-            <a:br>
-              <a:rPr lang="en-US" sz="1600" dirty="0"/>
-            </a:br>
-            <a:r>
-              <a:rPr lang="en-US" sz="1600" dirty="0"/>
-              <a:t>This scenario increases support for ticket price by 1.99. Over the season, this could be expected to amount to 3,474,638.</a:t>
-            </a:r>
+            <a:endParaRPr lang="en-US" sz="2000" b="1" dirty="0"/>
           </a:p>
         </p:txBody>
       </p:sp>
     </p:spTree>
     <p:extLst>
       <p:ext uri="{BB962C8B-B14F-4D97-AF65-F5344CB8AC3E}">
-        <p14:creationId xmlns:p14="http://schemas.microsoft.com/office/powerpoint/2010/main" val="1832309941"/>
+        <p14:creationId xmlns:p14="http://schemas.microsoft.com/office/powerpoint/2010/main" val="281069535"/>
       </p:ext>
     </p:extLst>
   </p:cSld>
@@ -7579,21 +8093,7 @@
           <a:p>
             <a:r>
               <a:rPr lang="en-US" dirty="0"/>
-              <a:t>Modeling</a:t>
-            </a:r>
-            <a:r>
-              <a:rPr lang="en-US" sz="4400" b="0" i="0" dirty="0">
-                <a:solidFill>
-                  <a:schemeClr val="bg1"/>
-                </a:solidFill>
-                <a:effectLst/>
-                <a:latin typeface="Roboto"/>
-              </a:rPr>
-              <a:t> </a:t>
-            </a:r>
-            <a:r>
-              <a:rPr lang="en-US" dirty="0"/>
-              <a:t>results and analysis</a:t>
+              <a:t>Modelled Scenarios</a:t>
             </a:r>
           </a:p>
         </p:txBody>
@@ -8106,7 +8606,81 @@
               <a:buFont typeface="+mj-lt"/>
               <a:buAutoNum type="arabicPeriod"/>
             </a:pPr>
-            <a:endParaRPr lang="en-US" sz="1600" dirty="0"/>
+            <a:r>
+              <a:rPr lang="en-US" sz="1600" b="1" dirty="0"/>
+              <a:t>Permanently closing up to 10 least used runs:</a:t>
+            </a:r>
+          </a:p>
+          <a:p>
+            <a:pPr lvl="2">
+              <a:lnSpc>
+                <a:spcPct val="107000"/>
+              </a:lnSpc>
+              <a:spcBef>
+                <a:spcPts val="0"/>
+              </a:spcBef>
+            </a:pPr>
+            <a:r>
+              <a:rPr lang="en-US" sz="1600" dirty="0"/>
+              <a:t>Doesn't impact any other resort statistics. </a:t>
+            </a:r>
+          </a:p>
+          <a:p>
+            <a:pPr lvl="2">
+              <a:lnSpc>
+                <a:spcPct val="107000"/>
+              </a:lnSpc>
+              <a:spcBef>
+                <a:spcPts val="0"/>
+              </a:spcBef>
+            </a:pPr>
+            <a:r>
+              <a:rPr lang="en-US" sz="1600" dirty="0"/>
+              <a:t>Closing one run makes no difference</a:t>
+            </a:r>
+          </a:p>
+          <a:p>
+            <a:pPr lvl="2">
+              <a:lnSpc>
+                <a:spcPct val="107000"/>
+              </a:lnSpc>
+              <a:spcBef>
+                <a:spcPts val="0"/>
+              </a:spcBef>
+            </a:pPr>
+            <a:r>
+              <a:rPr lang="en-US" sz="1600" dirty="0"/>
+              <a:t>Closing 2 and 3 successively reduces support for ticket price and so revenue.</a:t>
+            </a:r>
+          </a:p>
+          <a:p>
+            <a:pPr lvl="2">
+              <a:lnSpc>
+                <a:spcPct val="107000"/>
+              </a:lnSpc>
+              <a:spcBef>
+                <a:spcPts val="0"/>
+              </a:spcBef>
+            </a:pPr>
+            <a:r>
+              <a:rPr lang="en-US" sz="1600" dirty="0"/>
+              <a:t>No further loss in ticket price if 4 or 5 runs </a:t>
+            </a:r>
+          </a:p>
+          <a:p>
+            <a:pPr lvl="2">
+              <a:lnSpc>
+                <a:spcPct val="107000"/>
+              </a:lnSpc>
+              <a:spcBef>
+                <a:spcPts val="0"/>
+              </a:spcBef>
+            </a:pPr>
+            <a:r>
+              <a:rPr lang="en-US" sz="1600" dirty="0"/>
+              <a:t>Increasing the closures down to 6 or more leads to a large drop.</a:t>
+            </a:r>
+            <a:endParaRPr lang="en-US" sz="1400" dirty="0"/>
           </a:p>
           <a:p>
             <a:pPr marL="800100" lvl="1" indent="-342900">
@@ -8117,37 +8691,7 @@
                 <a:spcPts val="0"/>
               </a:spcBef>
               <a:buFont typeface="+mj-lt"/>
-              <a:buAutoNum type="arabicPeriod" startAt="4"/>
-            </a:pPr>
-            <a:r>
-              <a:rPr lang="en-US" sz="1600" u="sng" dirty="0"/>
-              <a:t>Increase the vertical drop by adding a run to a point 150 feet lower down, but requiring the installation of an additional chair lift to bring skiers back up, adding 2 acres of snow:</a:t>
-            </a:r>
-          </a:p>
-          <a:p>
-            <a:pPr marL="914400" lvl="2" indent="0">
-              <a:lnSpc>
-                <a:spcPct val="107000"/>
-              </a:lnSpc>
-              <a:spcBef>
-                <a:spcPts val="0"/>
-              </a:spcBef>
-              <a:buNone/>
-            </a:pPr>
-            <a:r>
-              <a:rPr lang="en-US" sz="1600" dirty="0"/>
-              <a:t>This scenario increases support for ticket price by 1.99. Over the season, this could be expected to amount to 3,474,638. Such a small increase in the snow making area makes no difference!</a:t>
-            </a:r>
-          </a:p>
-          <a:p>
-            <a:pPr marL="914400" lvl="2" indent="0">
-              <a:lnSpc>
-                <a:spcPct val="107000"/>
-              </a:lnSpc>
-              <a:spcBef>
-                <a:spcPts val="0"/>
-              </a:spcBef>
-              <a:buNone/>
+              <a:buAutoNum type="arabicPeriod" startAt="2"/>
             </a:pPr>
             <a:endParaRPr lang="en-US" sz="1600" dirty="0"/>
           </a:p>
@@ -8160,64 +8704,169 @@
                 <a:spcPts val="0"/>
               </a:spcBef>
               <a:buFont typeface="+mj-lt"/>
-              <a:buAutoNum type="arabicPeriod" startAt="4"/>
+              <a:buAutoNum type="arabicPeriod" startAt="2"/>
             </a:pPr>
-            <a:r>
-              <a:rPr lang="en-US" sz="1600" u="sng" dirty="0"/>
-              <a:t>Increase the longest run by 0.2 mile to boast 3.5 miles length, requiring an additional snow making coverage of 4 acres:</a:t>
-            </a:r>
-          </a:p>
-          <a:p>
-            <a:pPr marL="457200" lvl="1" indent="0">
+            <a:endParaRPr lang="en-US" sz="1600" dirty="0"/>
+          </a:p>
+          <a:p>
+            <a:pPr marL="800100" lvl="1" indent="-342900">
               <a:lnSpc>
                 <a:spcPct val="107000"/>
               </a:lnSpc>
               <a:spcBef>
                 <a:spcPts val="0"/>
               </a:spcBef>
-              <a:buNone/>
+              <a:buFont typeface="+mj-lt"/>
+              <a:buAutoNum type="arabicPeriod" startAt="2"/>
             </a:pPr>
-            <a:r>
-              <a:rPr lang="en-US" sz="1600" dirty="0"/>
-              <a:t>	No difference whatsoever</a:t>
-            </a:r>
-          </a:p>
-          <a:p>
-            <a:pPr marL="0" marR="0" indent="0">
+            <a:endParaRPr lang="en-US" sz="1600" dirty="0"/>
+          </a:p>
+          <a:p>
+            <a:pPr marL="800100" lvl="1" indent="-342900">
               <a:lnSpc>
                 <a:spcPct val="107000"/>
               </a:lnSpc>
               <a:spcBef>
                 <a:spcPts val="0"/>
               </a:spcBef>
-              <a:spcAft>
-                <a:spcPts val="800"/>
-              </a:spcAft>
-              <a:buNone/>
+              <a:buFont typeface="+mj-lt"/>
+              <a:buAutoNum type="arabicPeriod" startAt="2"/>
             </a:pPr>
             <a:endParaRPr lang="en-US" sz="1600" dirty="0"/>
           </a:p>
           <a:p>
-            <a:pPr marL="0" marR="0" indent="0">
+            <a:pPr marL="800100" lvl="1" indent="-342900">
               <a:lnSpc>
                 <a:spcPct val="107000"/>
               </a:lnSpc>
               <a:spcBef>
                 <a:spcPts val="0"/>
               </a:spcBef>
-              <a:spcAft>
-                <a:spcPts val="800"/>
-              </a:spcAft>
-              <a:buNone/>
+              <a:buFont typeface="+mj-lt"/>
+              <a:buAutoNum type="arabicPeriod" startAt="2"/>
             </a:pPr>
             <a:endParaRPr lang="en-US" sz="1600" dirty="0"/>
           </a:p>
+          <a:p>
+            <a:pPr marL="800100" lvl="1" indent="-342900">
+              <a:lnSpc>
+                <a:spcPct val="107000"/>
+              </a:lnSpc>
+              <a:spcBef>
+                <a:spcPts val="0"/>
+              </a:spcBef>
+              <a:buFont typeface="+mj-lt"/>
+              <a:buAutoNum type="arabicPeriod" startAt="2"/>
+            </a:pPr>
+            <a:endParaRPr lang="en-US" sz="1600" dirty="0"/>
+          </a:p>
+          <a:p>
+            <a:pPr marL="800100" lvl="1" indent="-342900">
+              <a:lnSpc>
+                <a:spcPct val="107000"/>
+              </a:lnSpc>
+              <a:spcBef>
+                <a:spcPts val="0"/>
+              </a:spcBef>
+              <a:buFont typeface="+mj-lt"/>
+              <a:buAutoNum type="arabicPeriod" startAt="2"/>
+            </a:pPr>
+            <a:endParaRPr lang="en-US" sz="1600" dirty="0"/>
+          </a:p>
+          <a:p>
+            <a:pPr marL="800100" lvl="1" indent="-342900">
+              <a:lnSpc>
+                <a:spcPct val="107000"/>
+              </a:lnSpc>
+              <a:spcBef>
+                <a:spcPts val="0"/>
+              </a:spcBef>
+              <a:buFont typeface="+mj-lt"/>
+              <a:buAutoNum type="arabicPeriod" startAt="2"/>
+            </a:pPr>
+            <a:endParaRPr lang="en-US" sz="1600" dirty="0"/>
+          </a:p>
+          <a:p>
+            <a:pPr marL="800100" lvl="1" indent="-342900">
+              <a:lnSpc>
+                <a:spcPct val="107000"/>
+              </a:lnSpc>
+              <a:spcBef>
+                <a:spcPts val="0"/>
+              </a:spcBef>
+              <a:buFont typeface="+mj-lt"/>
+              <a:buAutoNum type="arabicPeriod" startAt="2"/>
+            </a:pPr>
+            <a:endParaRPr lang="en-US" sz="1600" dirty="0"/>
+          </a:p>
+          <a:p>
+            <a:pPr lvl="2">
+              <a:lnSpc>
+                <a:spcPct val="107000"/>
+              </a:lnSpc>
+              <a:spcBef>
+                <a:spcPts val="0"/>
+              </a:spcBef>
+            </a:pPr>
+            <a:endParaRPr lang="en-US" sz="1400" dirty="0"/>
+          </a:p>
+          <a:p>
+            <a:pPr lvl="2">
+              <a:lnSpc>
+                <a:spcPct val="107000"/>
+              </a:lnSpc>
+              <a:spcBef>
+                <a:spcPts val="0"/>
+              </a:spcBef>
+            </a:pPr>
+            <a:endParaRPr lang="en-US" sz="1400" dirty="0"/>
+          </a:p>
         </p:txBody>
       </p:sp>
+      <p:pic>
+        <p:nvPicPr>
+          <p:cNvPr id="3" name="Picture 2">
+            <a:extLst>
+              <a:ext uri="{FF2B5EF4-FFF2-40B4-BE49-F238E27FC236}">
+                <a16:creationId xmlns:a16="http://schemas.microsoft.com/office/drawing/2014/main" id="{17A968A4-C41C-46D8-9D38-D6DEE6306205}"/>
+              </a:ext>
+            </a:extLst>
+          </p:cNvPr>
+          <p:cNvPicPr>
+            <a:picLocks noChangeAspect="1"/>
+          </p:cNvPicPr>
+          <p:nvPr/>
+        </p:nvPicPr>
+        <p:blipFill>
+          <a:blip r:embed="rId2"/>
+          <a:stretch>
+            <a:fillRect/>
+          </a:stretch>
+        </p:blipFill>
+        <p:spPr>
+          <a:xfrm>
+            <a:off x="2428875" y="3684182"/>
+            <a:ext cx="4972952" cy="2685814"/>
+          </a:xfrm>
+          <a:prstGeom prst="rect">
+            <a:avLst/>
+          </a:prstGeom>
+          <a:ln>
+            <a:noFill/>
+          </a:ln>
+          <a:effectLst>
+            <a:outerShdw blurRad="292100" dist="139700" dir="2700000" algn="tl" rotWithShape="0">
+              <a:srgbClr val="333333">
+                <a:alpha val="65000"/>
+              </a:srgbClr>
+            </a:outerShdw>
+          </a:effectLst>
+        </p:spPr>
+      </p:pic>
     </p:spTree>
     <p:extLst>
       <p:ext uri="{BB962C8B-B14F-4D97-AF65-F5344CB8AC3E}">
-        <p14:creationId xmlns:p14="http://schemas.microsoft.com/office/powerpoint/2010/main" val="1738453195"/>
+        <p14:creationId xmlns:p14="http://schemas.microsoft.com/office/powerpoint/2010/main" val="1832309941"/>
       </p:ext>
     </p:extLst>
   </p:cSld>
@@ -8282,7 +8931,7 @@
           <a:p>
             <a:r>
               <a:rPr lang="en-US" dirty="0"/>
-              <a:t>Background</a:t>
+              <a:t>Modelled Scenarios</a:t>
             </a:r>
           </a:p>
         </p:txBody>
@@ -8785,181 +9434,208 @@
           </a:bodyPr>
           <a:lstStyle/>
           <a:p>
-            <a:pPr>
+            <a:pPr marL="800100" lvl="1" indent="-342900">
               <a:lnSpc>
                 <a:spcPct val="107000"/>
               </a:lnSpc>
               <a:spcBef>
                 <a:spcPts val="0"/>
               </a:spcBef>
-              <a:spcAft>
-                <a:spcPts val="800"/>
-              </a:spcAft>
+              <a:buFont typeface="+mj-lt"/>
+              <a:buAutoNum type="arabicPeriod" startAt="2"/>
             </a:pPr>
             <a:r>
-              <a:rPr lang="en-US" sz="1800" dirty="0"/>
-              <a:t>Data for all the states was taken into consideration for modelling and treated equally per the exploratory data analysis.</a:t>
-            </a:r>
-          </a:p>
-          <a:p>
-            <a:pPr>
+              <a:rPr lang="en-US" sz="1600" b="1" dirty="0"/>
+              <a:t>Increase vertical drop by adding a run to a point 150 feet lower down</a:t>
+            </a:r>
+            <a:r>
+              <a:rPr lang="en-US" sz="1600" dirty="0"/>
+              <a:t>:</a:t>
+            </a:r>
+          </a:p>
+          <a:p>
+            <a:pPr lvl="2">
               <a:lnSpc>
                 <a:spcPct val="107000"/>
               </a:lnSpc>
               <a:spcBef>
                 <a:spcPts val="0"/>
               </a:spcBef>
-              <a:spcAft>
-                <a:spcPts val="800"/>
-              </a:spcAft>
             </a:pPr>
             <a:r>
-              <a:rPr lang="en-US" sz="1800" dirty="0"/>
-              <a:t>It was found that following datapoints had high correlation to the ticket price:</a:t>
-            </a:r>
-          </a:p>
-          <a:p>
-            <a:pPr lvl="1">
+              <a:rPr lang="en-US" sz="1600" dirty="0"/>
+              <a:t>Shows to increase support for ticket price by $1.99 (Season Revenue: $3.47M)</a:t>
+            </a:r>
+          </a:p>
+          <a:p>
+            <a:pPr lvl="2">
               <a:lnSpc>
                 <a:spcPct val="107000"/>
               </a:lnSpc>
               <a:spcBef>
                 <a:spcPts val="0"/>
               </a:spcBef>
-              <a:spcAft>
-                <a:spcPts val="800"/>
-              </a:spcAft>
-              <a:buFont typeface="Wingdings" panose="05000000000000000000" pitchFamily="2" charset="2"/>
-              <a:buChar char="ü"/>
             </a:pPr>
             <a:r>
-              <a:rPr lang="en-US" sz="1800" dirty="0"/>
-              <a:t>Fast Quads</a:t>
-            </a:r>
-          </a:p>
-          <a:p>
-            <a:pPr lvl="1">
+              <a:rPr lang="en-US" sz="1600" dirty="0"/>
+              <a:t>Requires the installation of an additional chair lift to bring skiers back up</a:t>
+            </a:r>
+          </a:p>
+          <a:p>
+            <a:pPr lvl="2">
               <a:lnSpc>
                 <a:spcPct val="107000"/>
               </a:lnSpc>
               <a:spcBef>
                 <a:spcPts val="0"/>
               </a:spcBef>
-              <a:spcAft>
-                <a:spcPts val="800"/>
-              </a:spcAft>
-              <a:buFont typeface="Wingdings" panose="05000000000000000000" pitchFamily="2" charset="2"/>
-              <a:buChar char="ü"/>
             </a:pPr>
             <a:r>
-              <a:rPr lang="en-US" sz="1800" dirty="0"/>
-              <a:t>Runs</a:t>
-            </a:r>
-          </a:p>
-          <a:p>
-            <a:pPr lvl="1">
+              <a:rPr lang="en-US" sz="1600" dirty="0"/>
+              <a:t>Assumption: On an average a visitor would buy 5 day tickets.</a:t>
+            </a:r>
+          </a:p>
+          <a:p>
+            <a:pPr marL="800100" lvl="1" indent="-342900">
               <a:lnSpc>
                 <a:spcPct val="107000"/>
               </a:lnSpc>
               <a:spcBef>
                 <a:spcPts val="0"/>
               </a:spcBef>
-              <a:spcAft>
-                <a:spcPts val="800"/>
-              </a:spcAft>
-              <a:buFont typeface="Wingdings" panose="05000000000000000000" pitchFamily="2" charset="2"/>
-              <a:buChar char="ü"/>
+              <a:buFont typeface="+mj-lt"/>
+              <a:buAutoNum type="arabicPeriod" startAt="3"/>
             </a:pPr>
-            <a:r>
-              <a:rPr lang="en-US" sz="1800" dirty="0"/>
-              <a:t>Snow Making area coverage</a:t>
-            </a:r>
-          </a:p>
-          <a:p>
-            <a:pPr lvl="1">
+            <a:endParaRPr lang="en-US" sz="1600" dirty="0"/>
+          </a:p>
+          <a:p>
+            <a:pPr marL="800100" lvl="1" indent="-342900">
               <a:lnSpc>
                 <a:spcPct val="107000"/>
               </a:lnSpc>
               <a:spcBef>
                 <a:spcPts val="0"/>
               </a:spcBef>
-              <a:spcAft>
-                <a:spcPts val="800"/>
-              </a:spcAft>
-              <a:buFont typeface="Wingdings" panose="05000000000000000000" pitchFamily="2" charset="2"/>
-              <a:buChar char="ü"/>
+              <a:buFont typeface="+mj-lt"/>
+              <a:buAutoNum type="arabicPeriod" startAt="3"/>
             </a:pPr>
             <a:r>
-              <a:rPr lang="en-US" sz="1800" dirty="0"/>
-              <a:t>Resort to Night skiing ratio</a:t>
-            </a:r>
-          </a:p>
-          <a:p>
-            <a:pPr lvl="1">
+              <a:rPr lang="en-US" sz="1600" b="1" dirty="0"/>
+              <a:t>Additionally adding 2 acres of snow:</a:t>
+            </a:r>
+          </a:p>
+          <a:p>
+            <a:pPr lvl="2">
               <a:lnSpc>
                 <a:spcPct val="107000"/>
               </a:lnSpc>
               <a:spcBef>
                 <a:spcPts val="0"/>
               </a:spcBef>
-              <a:spcAft>
-                <a:spcPts val="800"/>
-              </a:spcAft>
-              <a:buFont typeface="Wingdings" panose="05000000000000000000" pitchFamily="2" charset="2"/>
-              <a:buChar char="ü"/>
             </a:pPr>
             <a:r>
-              <a:rPr lang="en-US" sz="1800" dirty="0"/>
-              <a:t>Total chairs</a:t>
-            </a:r>
-          </a:p>
-          <a:p>
-            <a:pPr lvl="1">
+              <a:rPr lang="en-US" sz="1600" dirty="0"/>
+              <a:t>Same result as #2 </a:t>
+            </a:r>
+          </a:p>
+          <a:p>
+            <a:pPr lvl="2">
               <a:lnSpc>
                 <a:spcPct val="107000"/>
               </a:lnSpc>
               <a:spcBef>
                 <a:spcPts val="0"/>
               </a:spcBef>
-              <a:spcAft>
-                <a:spcPts val="800"/>
-              </a:spcAft>
-              <a:buFont typeface="Wingdings" panose="05000000000000000000" pitchFamily="2" charset="2"/>
-              <a:buChar char="ü"/>
             </a:pPr>
             <a:r>
-              <a:rPr lang="en-US" sz="1800" dirty="0"/>
-              <a:t>Vertical drop</a:t>
-            </a:r>
-          </a:p>
-          <a:p>
-            <a:pPr lvl="1">
+              <a:rPr lang="en-US" sz="1600" dirty="0"/>
+              <a:t>Such a small increase in the snow making area makes no difference</a:t>
+            </a:r>
+          </a:p>
+          <a:p>
+            <a:pPr marL="914400" lvl="2" indent="0">
               <a:lnSpc>
                 <a:spcPct val="107000"/>
               </a:lnSpc>
               <a:spcBef>
                 <a:spcPts val="0"/>
               </a:spcBef>
-              <a:spcAft>
-                <a:spcPts val="800"/>
-              </a:spcAft>
-              <a:buFont typeface="Wingdings" panose="05000000000000000000" pitchFamily="2" charset="2"/>
-              <a:buChar char="ü"/>
+              <a:buNone/>
             </a:pPr>
-            <a:endParaRPr lang="en-US" sz="2000" dirty="0">
-              <a:solidFill>
-                <a:srgbClr val="333333"/>
-              </a:solidFill>
-              <a:ea typeface="Calibri" panose="020F0502020204030204" pitchFamily="34" charset="0"/>
-              <a:cs typeface="Times New Roman" panose="02020603050405020304" pitchFamily="18" charset="0"/>
-            </a:endParaRPr>
+            <a:endParaRPr lang="en-US" sz="1600" dirty="0"/>
+          </a:p>
+          <a:p>
+            <a:pPr marL="800100" lvl="1" indent="-342900">
+              <a:lnSpc>
+                <a:spcPct val="107000"/>
+              </a:lnSpc>
+              <a:spcBef>
+                <a:spcPts val="0"/>
+              </a:spcBef>
+              <a:buFont typeface="+mj-lt"/>
+              <a:buAutoNum type="arabicPeriod" startAt="3"/>
+            </a:pPr>
+            <a:r>
+              <a:rPr lang="en-US" sz="1600" b="1" dirty="0"/>
+              <a:t>Increase the longest run by 0.2 mile to boast 3.5 miles length:</a:t>
+            </a:r>
+          </a:p>
+          <a:p>
+            <a:pPr lvl="2">
+              <a:lnSpc>
+                <a:spcPct val="107000"/>
+              </a:lnSpc>
+              <a:spcBef>
+                <a:spcPts val="0"/>
+              </a:spcBef>
+            </a:pPr>
+            <a:r>
+              <a:rPr lang="en-US" sz="1600" dirty="0"/>
+              <a:t>No difference whatsoever</a:t>
+            </a:r>
+          </a:p>
+          <a:p>
+            <a:pPr lvl="2">
+              <a:lnSpc>
+                <a:spcPct val="107000"/>
+              </a:lnSpc>
+              <a:spcBef>
+                <a:spcPts val="0"/>
+              </a:spcBef>
+            </a:pPr>
+            <a:r>
+              <a:rPr lang="en-US" sz="1600" dirty="0"/>
+              <a:t>Requires an additional snow making coverage of 4 acres</a:t>
+            </a:r>
+          </a:p>
+          <a:p>
+            <a:pPr lvl="2">
+              <a:lnSpc>
+                <a:spcPct val="107000"/>
+              </a:lnSpc>
+              <a:spcBef>
+                <a:spcPts val="0"/>
+              </a:spcBef>
+            </a:pPr>
+            <a:endParaRPr lang="en-US" sz="1400" dirty="0"/>
+          </a:p>
+          <a:p>
+            <a:pPr lvl="2">
+              <a:lnSpc>
+                <a:spcPct val="107000"/>
+              </a:lnSpc>
+              <a:spcBef>
+                <a:spcPts val="0"/>
+              </a:spcBef>
+            </a:pPr>
+            <a:endParaRPr lang="en-US" sz="1400" dirty="0"/>
           </a:p>
         </p:txBody>
       </p:sp>
     </p:spTree>
     <p:extLst>
       <p:ext uri="{BB962C8B-B14F-4D97-AF65-F5344CB8AC3E}">
-        <p14:creationId xmlns:p14="http://schemas.microsoft.com/office/powerpoint/2010/main" val="3872151872"/>
+        <p14:creationId xmlns:p14="http://schemas.microsoft.com/office/powerpoint/2010/main" val="1857596463"/>
       </p:ext>
     </p:extLst>
   </p:cSld>
@@ -9012,8 +9688,8 @@
         </p:nvSpPr>
         <p:spPr>
           <a:xfrm>
-            <a:off x="841249" y="365760"/>
-            <a:ext cx="9912072" cy="1188404"/>
+            <a:off x="1653363" y="365760"/>
+            <a:ext cx="9367203" cy="1188720"/>
           </a:xfrm>
         </p:spPr>
         <p:txBody>
@@ -9024,17 +9700,17 @@
           <a:p>
             <a:r>
               <a:rPr lang="en-US" dirty="0"/>
-              <a:t>Summary</a:t>
+              <a:t>Background</a:t>
             </a:r>
           </a:p>
         </p:txBody>
       </p:sp>
       <p:sp>
         <p:nvSpPr>
-          <p:cNvPr id="30" name="Freeform: Shape 7">
-            <a:extLst>
-              <a:ext uri="{FF2B5EF4-FFF2-40B4-BE49-F238E27FC236}">
-                <a16:creationId xmlns:a16="http://schemas.microsoft.com/office/drawing/2014/main" id="{F0BC1D9E-4401-4EC0-88FD-ED103CB570EA}"/>
+          <p:cNvPr id="69" name="Freeform: Shape 58">
+            <a:extLst>
+              <a:ext uri="{FF2B5EF4-FFF2-40B4-BE49-F238E27FC236}">
+                <a16:creationId xmlns:a16="http://schemas.microsoft.com/office/drawing/2014/main" id="{7CB4857B-ED7C-444D-9F04-2F885114A1C2}"/>
               </a:ext>
               <a:ext uri="{C183D7F6-B498-43B3-948B-1728B52AA6E4}">
                 <adec:decorative xmlns:adec="http://schemas.microsoft.com/office/drawing/2017/decorative" val="1"/>
@@ -9054,20 +9730,20 @@
         </p:nvSpPr>
         <p:spPr>
           <a:xfrm>
-            <a:off x="11000670" y="2"/>
-            <a:ext cx="1191330" cy="1511301"/>
+            <a:off x="1" y="0"/>
+            <a:ext cx="1764099" cy="1558212"/>
           </a:xfrm>
           <a:custGeom>
             <a:avLst/>
             <a:gdLst>
-              <a:gd name="connsiteX0" fmla="*/ 697617 w 1191330"/>
-              <a:gd name="connsiteY0" fmla="*/ 0 h 1511301"/>
-              <a:gd name="connsiteX1" fmla="*/ 1191330 w 1191330"/>
-              <a:gd name="connsiteY1" fmla="*/ 0 h 1511301"/>
-              <a:gd name="connsiteX2" fmla="*/ 1191330 w 1191330"/>
-              <a:gd name="connsiteY2" fmla="*/ 1511301 h 1511301"/>
-              <a:gd name="connsiteX3" fmla="*/ 0 w 1191330"/>
-              <a:gd name="connsiteY3" fmla="*/ 1511301 h 1511301"/>
+              <a:gd name="connsiteX0" fmla="*/ 0 w 1764099"/>
+              <a:gd name="connsiteY0" fmla="*/ 0 h 1558212"/>
+              <a:gd name="connsiteX1" fmla="*/ 1764099 w 1764099"/>
+              <a:gd name="connsiteY1" fmla="*/ 0 h 1558212"/>
+              <a:gd name="connsiteX2" fmla="*/ 1042087 w 1764099"/>
+              <a:gd name="connsiteY2" fmla="*/ 1558212 h 1558212"/>
+              <a:gd name="connsiteX3" fmla="*/ 0 w 1764099"/>
+              <a:gd name="connsiteY3" fmla="*/ 1558212 h 1558212"/>
             </a:gdLst>
             <a:ahLst/>
             <a:cxnLst>
@@ -9086,18 +9762,18 @@
             </a:cxnLst>
             <a:rect l="l" t="t" r="r" b="b"/>
             <a:pathLst>
-              <a:path w="1191330" h="1511301">
+              <a:path w="1764099" h="1558212">
                 <a:moveTo>
-                  <a:pt x="697617" y="0"/>
+                  <a:pt x="0" y="0"/>
                 </a:moveTo>
                 <a:lnTo>
-                  <a:pt x="1191330" y="0"/>
-                </a:lnTo>
-                <a:lnTo>
-                  <a:pt x="1191330" y="1511301"/>
-                </a:lnTo>
-                <a:lnTo>
-                  <a:pt x="0" y="1511301"/>
+                  <a:pt x="1764099" y="0"/>
+                </a:lnTo>
+                <a:lnTo>
+                  <a:pt x="1042087" y="1558212"/>
+                </a:lnTo>
+                <a:lnTo>
+                  <a:pt x="0" y="1558212"/>
                 </a:lnTo>
                 <a:close/>
               </a:path>
@@ -9139,10 +9815,10 @@
       </p:sp>
       <p:sp>
         <p:nvSpPr>
-          <p:cNvPr id="31" name="Freeform: Shape 9">
-            <a:extLst>
-              <a:ext uri="{FF2B5EF4-FFF2-40B4-BE49-F238E27FC236}">
-                <a16:creationId xmlns:a16="http://schemas.microsoft.com/office/drawing/2014/main" id="{6200B311-3585-4069-AAC6-CD443FA5B8AD}"/>
+          <p:cNvPr id="70" name="Freeform: Shape 60">
+            <a:extLst>
+              <a:ext uri="{FF2B5EF4-FFF2-40B4-BE49-F238E27FC236}">
+                <a16:creationId xmlns:a16="http://schemas.microsoft.com/office/drawing/2014/main" id="{D18046FB-44EA-4FD8-A585-EA09A319B2D0}"/>
               </a:ext>
               <a:ext uri="{C183D7F6-B498-43B3-948B-1728B52AA6E4}">
                 <adec:decorative xmlns:adec="http://schemas.microsoft.com/office/drawing/2017/decorative" val="1"/>
@@ -9162,24 +9838,58 @@
         </p:nvSpPr>
         <p:spPr>
           <a:xfrm>
-            <a:off x="8523986" y="1690688"/>
-            <a:ext cx="3668014" cy="5167312"/>
+            <a:off x="1" y="1691640"/>
+            <a:ext cx="12191999" cy="5166360"/>
           </a:xfrm>
           <a:custGeom>
             <a:avLst/>
             <a:gdLst>
-              <a:gd name="connsiteX0" fmla="*/ 2391664 w 3668014"/>
-              <a:gd name="connsiteY0" fmla="*/ 0 h 5167312"/>
-              <a:gd name="connsiteX1" fmla="*/ 3668014 w 3668014"/>
-              <a:gd name="connsiteY1" fmla="*/ 0 h 5167312"/>
-              <a:gd name="connsiteX2" fmla="*/ 3668014 w 3668014"/>
-              <a:gd name="connsiteY2" fmla="*/ 5167312 h 5167312"/>
-              <a:gd name="connsiteX3" fmla="*/ 0 w 3668014"/>
-              <a:gd name="connsiteY3" fmla="*/ 5167312 h 5167312"/>
-              <a:gd name="connsiteX4" fmla="*/ 2393879 w 3668014"/>
-              <a:gd name="connsiteY4" fmla="*/ 952 h 5167312"/>
-              <a:gd name="connsiteX5" fmla="*/ 2391664 w 3668014"/>
-              <a:gd name="connsiteY5" fmla="*/ 952 h 5167312"/>
+              <a:gd name="connsiteX0" fmla="*/ 0 w 12191999"/>
+              <a:gd name="connsiteY0" fmla="*/ 0 h 5166360"/>
+              <a:gd name="connsiteX1" fmla="*/ 1822388 w 12191999"/>
+              <a:gd name="connsiteY1" fmla="*/ 0 h 5166360"/>
+              <a:gd name="connsiteX2" fmla="*/ 6468290 w 12191999"/>
+              <a:gd name="connsiteY2" fmla="*/ 0 h 5166360"/>
+              <a:gd name="connsiteX3" fmla="*/ 7796394 w 12191999"/>
+              <a:gd name="connsiteY3" fmla="*/ 0 h 5166360"/>
+              <a:gd name="connsiteX4" fmla="*/ 8376834 w 12191999"/>
+              <a:gd name="connsiteY4" fmla="*/ 0 h 5166360"/>
+              <a:gd name="connsiteX5" fmla="*/ 9704938 w 12191999"/>
+              <a:gd name="connsiteY5" fmla="*/ 0 h 5166360"/>
+              <a:gd name="connsiteX6" fmla="*/ 9704938 w 12191999"/>
+              <a:gd name="connsiteY6" fmla="*/ 2 h 5166360"/>
+              <a:gd name="connsiteX7" fmla="*/ 10283456 w 12191999"/>
+              <a:gd name="connsiteY7" fmla="*/ 2 h 5166360"/>
+              <a:gd name="connsiteX8" fmla="*/ 10863897 w 12191999"/>
+              <a:gd name="connsiteY8" fmla="*/ 2 h 5166360"/>
+              <a:gd name="connsiteX9" fmla="*/ 12191999 w 12191999"/>
+              <a:gd name="connsiteY9" fmla="*/ 2 h 5166360"/>
+              <a:gd name="connsiteX10" fmla="*/ 12191999 w 12191999"/>
+              <a:gd name="connsiteY10" fmla="*/ 5166360 h 5166360"/>
+              <a:gd name="connsiteX11" fmla="*/ 0 w 12191999"/>
+              <a:gd name="connsiteY11" fmla="*/ 5166360 h 5166360"/>
+              <a:gd name="connsiteX12" fmla="*/ 0 w 12191999"/>
+              <a:gd name="connsiteY12" fmla="*/ 2604436 h 5166360"/>
+              <a:gd name="connsiteX13" fmla="*/ 862341 w 12191999"/>
+              <a:gd name="connsiteY13" fmla="*/ 743371 h 5166360"/>
+              <a:gd name="connsiteX14" fmla="*/ 0 w 12191999"/>
+              <a:gd name="connsiteY14" fmla="*/ 743371 h 5166360"/>
+              <a:gd name="connsiteX15" fmla="*/ 0 w 12191999"/>
+              <a:gd name="connsiteY15" fmla="*/ 742508 h 5166360"/>
+              <a:gd name="connsiteX16" fmla="*/ 92826 w 12191999"/>
+              <a:gd name="connsiteY16" fmla="*/ 742508 h 5166360"/>
+              <a:gd name="connsiteX17" fmla="*/ 406486 w 12191999"/>
+              <a:gd name="connsiteY17" fmla="*/ 742508 h 5166360"/>
+              <a:gd name="connsiteX18" fmla="*/ 406486 w 12191999"/>
+              <a:gd name="connsiteY18" fmla="*/ 742507 h 5166360"/>
+              <a:gd name="connsiteX19" fmla="*/ 862741 w 12191999"/>
+              <a:gd name="connsiteY19" fmla="*/ 742507 h 5166360"/>
+              <a:gd name="connsiteX20" fmla="*/ 1206388 w 12191999"/>
+              <a:gd name="connsiteY20" fmla="*/ 864 h 5166360"/>
+              <a:gd name="connsiteX21" fmla="*/ 748500 w 12191999"/>
+              <a:gd name="connsiteY21" fmla="*/ 864 h 5166360"/>
+              <a:gd name="connsiteX22" fmla="*/ 0 w 12191999"/>
+              <a:gd name="connsiteY22" fmla="*/ 864 h 5166360"/>
             </a:gdLst>
             <a:ahLst/>
             <a:cxnLst>
@@ -9201,27 +9911,129 @@
               <a:cxn ang="0">
                 <a:pos x="connsiteX5" y="connsiteY5"/>
               </a:cxn>
+              <a:cxn ang="0">
+                <a:pos x="connsiteX6" y="connsiteY6"/>
+              </a:cxn>
+              <a:cxn ang="0">
+                <a:pos x="connsiteX7" y="connsiteY7"/>
+              </a:cxn>
+              <a:cxn ang="0">
+                <a:pos x="connsiteX8" y="connsiteY8"/>
+              </a:cxn>
+              <a:cxn ang="0">
+                <a:pos x="connsiteX9" y="connsiteY9"/>
+              </a:cxn>
+              <a:cxn ang="0">
+                <a:pos x="connsiteX10" y="connsiteY10"/>
+              </a:cxn>
+              <a:cxn ang="0">
+                <a:pos x="connsiteX11" y="connsiteY11"/>
+              </a:cxn>
+              <a:cxn ang="0">
+                <a:pos x="connsiteX12" y="connsiteY12"/>
+              </a:cxn>
+              <a:cxn ang="0">
+                <a:pos x="connsiteX13" y="connsiteY13"/>
+              </a:cxn>
+              <a:cxn ang="0">
+                <a:pos x="connsiteX14" y="connsiteY14"/>
+              </a:cxn>
+              <a:cxn ang="0">
+                <a:pos x="connsiteX15" y="connsiteY15"/>
+              </a:cxn>
+              <a:cxn ang="0">
+                <a:pos x="connsiteX16" y="connsiteY16"/>
+              </a:cxn>
+              <a:cxn ang="0">
+                <a:pos x="connsiteX17" y="connsiteY17"/>
+              </a:cxn>
+              <a:cxn ang="0">
+                <a:pos x="connsiteX18" y="connsiteY18"/>
+              </a:cxn>
+              <a:cxn ang="0">
+                <a:pos x="connsiteX19" y="connsiteY19"/>
+              </a:cxn>
+              <a:cxn ang="0">
+                <a:pos x="connsiteX20" y="connsiteY20"/>
+              </a:cxn>
+              <a:cxn ang="0">
+                <a:pos x="connsiteX21" y="connsiteY21"/>
+              </a:cxn>
+              <a:cxn ang="0">
+                <a:pos x="connsiteX22" y="connsiteY22"/>
+              </a:cxn>
             </a:cxnLst>
             <a:rect l="l" t="t" r="r" b="b"/>
             <a:pathLst>
-              <a:path w="3668014" h="5167312">
+              <a:path w="12191999" h="5166360">
                 <a:moveTo>
-                  <a:pt x="2391664" y="0"/>
+                  <a:pt x="0" y="0"/>
                 </a:moveTo>
                 <a:lnTo>
-                  <a:pt x="3668014" y="0"/>
-                </a:lnTo>
-                <a:lnTo>
-                  <a:pt x="3668014" y="5167312"/>
-                </a:lnTo>
-                <a:lnTo>
-                  <a:pt x="0" y="5167312"/>
-                </a:lnTo>
-                <a:lnTo>
-                  <a:pt x="2393879" y="952"/>
-                </a:lnTo>
-                <a:lnTo>
-                  <a:pt x="2391664" y="952"/>
+                  <a:pt x="1822388" y="0"/>
+                </a:lnTo>
+                <a:lnTo>
+                  <a:pt x="6468290" y="0"/>
+                </a:lnTo>
+                <a:lnTo>
+                  <a:pt x="7796394" y="0"/>
+                </a:lnTo>
+                <a:lnTo>
+                  <a:pt x="8376834" y="0"/>
+                </a:lnTo>
+                <a:lnTo>
+                  <a:pt x="9704938" y="0"/>
+                </a:lnTo>
+                <a:lnTo>
+                  <a:pt x="9704938" y="2"/>
+                </a:lnTo>
+                <a:lnTo>
+                  <a:pt x="10283456" y="2"/>
+                </a:lnTo>
+                <a:lnTo>
+                  <a:pt x="10863897" y="2"/>
+                </a:lnTo>
+                <a:lnTo>
+                  <a:pt x="12191999" y="2"/>
+                </a:lnTo>
+                <a:lnTo>
+                  <a:pt x="12191999" y="5166360"/>
+                </a:lnTo>
+                <a:lnTo>
+                  <a:pt x="0" y="5166360"/>
+                </a:lnTo>
+                <a:lnTo>
+                  <a:pt x="0" y="2604436"/>
+                </a:lnTo>
+                <a:lnTo>
+                  <a:pt x="862341" y="743371"/>
+                </a:lnTo>
+                <a:lnTo>
+                  <a:pt x="0" y="743371"/>
+                </a:lnTo>
+                <a:lnTo>
+                  <a:pt x="0" y="742508"/>
+                </a:lnTo>
+                <a:lnTo>
+                  <a:pt x="92826" y="742508"/>
+                </a:lnTo>
+                <a:lnTo>
+                  <a:pt x="406486" y="742508"/>
+                </a:lnTo>
+                <a:lnTo>
+                  <a:pt x="406486" y="742507"/>
+                </a:lnTo>
+                <a:lnTo>
+                  <a:pt x="862741" y="742507"/>
+                </a:lnTo>
+                <a:lnTo>
+                  <a:pt x="1206388" y="864"/>
+                </a:lnTo>
+                <a:lnTo>
+                  <a:pt x="748500" y="864"/>
+                </a:lnTo>
+                <a:lnTo>
+                  <a:pt x="0" y="864"/>
                 </a:lnTo>
                 <a:close/>
               </a:path>
@@ -9265,10 +10077,10 @@
       </p:sp>
       <p:sp>
         <p:nvSpPr>
-          <p:cNvPr id="32" name="Freeform: Shape 11">
-            <a:extLst>
-              <a:ext uri="{FF2B5EF4-FFF2-40B4-BE49-F238E27FC236}">
-                <a16:creationId xmlns:a16="http://schemas.microsoft.com/office/drawing/2014/main" id="{B0AAF7C9-094E-400C-A428-F6C2262F6527}"/>
+          <p:cNvPr id="71" name="Freeform: Shape 62">
+            <a:extLst>
+              <a:ext uri="{FF2B5EF4-FFF2-40B4-BE49-F238E27FC236}">
+                <a16:creationId xmlns:a16="http://schemas.microsoft.com/office/drawing/2014/main" id="{479F5F2B-8B58-4140-AE6A-51F6C67B18D9}"/>
               </a:ext>
               <a:ext uri="{C183D7F6-B498-43B3-948B-1728B52AA6E4}">
                 <adec:decorative xmlns:adec="http://schemas.microsoft.com/office/drawing/2017/decorative" val="1"/>
@@ -9288,28 +10100,18 @@
         </p:nvSpPr>
         <p:spPr>
           <a:xfrm>
-            <a:off x="0" y="1690688"/>
-            <a:ext cx="10753320" cy="5167312"/>
+            <a:off x="0" y="1691641"/>
+            <a:ext cx="971654" cy="2096979"/>
           </a:xfrm>
           <a:custGeom>
             <a:avLst/>
             <a:gdLst>
-              <a:gd name="connsiteX0" fmla="*/ 0 w 10753320"/>
-              <a:gd name="connsiteY0" fmla="*/ 0 h 5167312"/>
-              <a:gd name="connsiteX1" fmla="*/ 9680943 w 10753320"/>
-              <a:gd name="connsiteY1" fmla="*/ 0 h 5167312"/>
-              <a:gd name="connsiteX2" fmla="*/ 9680223 w 10753320"/>
-              <a:gd name="connsiteY2" fmla="*/ 952 h 5167312"/>
-              <a:gd name="connsiteX3" fmla="*/ 10753320 w 10753320"/>
-              <a:gd name="connsiteY3" fmla="*/ 952 h 5167312"/>
-              <a:gd name="connsiteX4" fmla="*/ 8359441 w 10753320"/>
-              <a:gd name="connsiteY4" fmla="*/ 5167312 h 5167312"/>
-              <a:gd name="connsiteX5" fmla="*/ 4821866 w 10753320"/>
-              <a:gd name="connsiteY5" fmla="*/ 5167312 h 5167312"/>
-              <a:gd name="connsiteX6" fmla="*/ 4821866 w 10753320"/>
-              <a:gd name="connsiteY6" fmla="*/ 5166360 h 5167312"/>
-              <a:gd name="connsiteX7" fmla="*/ 0 w 10753320"/>
-              <a:gd name="connsiteY7" fmla="*/ 5166360 h 5167312"/>
+              <a:gd name="connsiteX0" fmla="*/ 0 w 971654"/>
+              <a:gd name="connsiteY0" fmla="*/ 0 h 2096979"/>
+              <a:gd name="connsiteX1" fmla="*/ 971654 w 971654"/>
+              <a:gd name="connsiteY1" fmla="*/ 0 h 2096979"/>
+              <a:gd name="connsiteX2" fmla="*/ 0 w 971654"/>
+              <a:gd name="connsiteY2" fmla="*/ 2096979 h 2096979"/>
             </a:gdLst>
             <a:ahLst/>
             <a:cxnLst>
@@ -9322,55 +10124,25 @@
               <a:cxn ang="0">
                 <a:pos x="connsiteX2" y="connsiteY2"/>
               </a:cxn>
-              <a:cxn ang="0">
-                <a:pos x="connsiteX3" y="connsiteY3"/>
-              </a:cxn>
-              <a:cxn ang="0">
-                <a:pos x="connsiteX4" y="connsiteY4"/>
-              </a:cxn>
-              <a:cxn ang="0">
-                <a:pos x="connsiteX5" y="connsiteY5"/>
-              </a:cxn>
-              <a:cxn ang="0">
-                <a:pos x="connsiteX6" y="connsiteY6"/>
-              </a:cxn>
-              <a:cxn ang="0">
-                <a:pos x="connsiteX7" y="connsiteY7"/>
-              </a:cxn>
             </a:cxnLst>
             <a:rect l="l" t="t" r="r" b="b"/>
             <a:pathLst>
-              <a:path w="10753320" h="5167312">
+              <a:path w="971654" h="2096979">
                 <a:moveTo>
                   <a:pt x="0" y="0"/>
                 </a:moveTo>
                 <a:lnTo>
-                  <a:pt x="9680943" y="0"/>
-                </a:lnTo>
-                <a:lnTo>
-                  <a:pt x="9680223" y="952"/>
-                </a:lnTo>
-                <a:lnTo>
-                  <a:pt x="10753320" y="952"/>
-                </a:lnTo>
-                <a:lnTo>
-                  <a:pt x="8359441" y="5167312"/>
-                </a:lnTo>
-                <a:lnTo>
-                  <a:pt x="4821866" y="5167312"/>
-                </a:lnTo>
-                <a:lnTo>
-                  <a:pt x="4821866" y="5166360"/>
-                </a:lnTo>
-                <a:lnTo>
-                  <a:pt x="0" y="5166360"/>
+                  <a:pt x="971654" y="0"/>
+                </a:lnTo>
+                <a:lnTo>
+                  <a:pt x="0" y="2096979"/>
                 </a:lnTo>
                 <a:close/>
               </a:path>
             </a:pathLst>
           </a:custGeom>
           <a:solidFill>
-            <a:srgbClr val="303030"/>
+            <a:srgbClr val="404040"/>
           </a:solidFill>
           <a:ln>
             <a:noFill/>
@@ -9405,10 +10177,10 @@
       </p:sp>
       <p:sp>
         <p:nvSpPr>
-          <p:cNvPr id="3" name="Content Placeholder 2">
-            <a:extLst>
-              <a:ext uri="{FF2B5EF4-FFF2-40B4-BE49-F238E27FC236}">
-                <a16:creationId xmlns:a16="http://schemas.microsoft.com/office/drawing/2014/main" id="{F5A91344-DD30-45AD-A9A8-2C0F4F7E6E91}"/>
+          <p:cNvPr id="7" name="Content Placeholder 6">
+            <a:extLst>
+              <a:ext uri="{FF2B5EF4-FFF2-40B4-BE49-F238E27FC236}">
+                <a16:creationId xmlns:a16="http://schemas.microsoft.com/office/drawing/2014/main" id="{29A506C5-4F79-4C03-8990-2DEA12EEE999}"/>
               </a:ext>
             </a:extLst>
           </p:cNvPr>
@@ -9421,13 +10193,13 @@
         </p:nvSpPr>
         <p:spPr>
           <a:xfrm>
-            <a:off x="841248" y="2174358"/>
-            <a:ext cx="7731642" cy="4045467"/>
+            <a:off x="1193532" y="1825624"/>
+            <a:ext cx="10160267" cy="4912059"/>
           </a:xfrm>
         </p:spPr>
         <p:txBody>
-          <a:bodyPr anchor="t">
-            <a:normAutofit/>
+          <a:bodyPr>
+            <a:noAutofit/>
           </a:bodyPr>
           <a:lstStyle/>
           <a:p>
@@ -9443,28 +10215,8 @@
               </a:spcAft>
             </a:pPr>
             <a:r>
-              <a:rPr lang="en-US" sz="2400" dirty="0">
-                <a:solidFill>
-                  <a:schemeClr val="bg1"/>
-                </a:solidFill>
-              </a:rPr>
-              <a:t>Out of the provided business scenarios, Scenario #2 </a:t>
-            </a:r>
-            <a:r>
-              <a:rPr lang="en-US" sz="2400" dirty="0" err="1">
-                <a:solidFill>
-                  <a:schemeClr val="bg1"/>
-                </a:solidFill>
-              </a:rPr>
-              <a:t>i.e</a:t>
-            </a:r>
-            <a:r>
-              <a:rPr lang="en-US" sz="2400" dirty="0">
-                <a:solidFill>
-                  <a:schemeClr val="bg1"/>
-                </a:solidFill>
-              </a:rPr>
-              <a:t> to increase the vertical drop by adding a run to a point 150 feet lower down seems most promising</a:t>
+              <a:rPr lang="en-US" sz="1600" dirty="0"/>
+              <a:t>Data for all the states was taken into consideration for modelling and treated equally per the exploratory data analysis.</a:t>
             </a:r>
           </a:p>
           <a:p>
@@ -9480,14 +10232,990 @@
               </a:spcAft>
             </a:pPr>
             <a:r>
-              <a:rPr lang="en-US" sz="2400" dirty="0">
-                <a:solidFill>
-                  <a:schemeClr val="bg1"/>
-                </a:solidFill>
-              </a:rPr>
-              <a:t>It shows to increase support for ticket price by $1.99, which over the season could be expected to amount to $3.47M (taking an assumption that on an average a visitor would buy 5 day tickets).</a:t>
-            </a:r>
-          </a:p>
+              <a:rPr lang="en-US" sz="1600" dirty="0"/>
+              <a:t>It was found that following datapoints had high correlation to the ticket price:</a:t>
+            </a:r>
+          </a:p>
+          <a:p>
+            <a:pPr lvl="1">
+              <a:lnSpc>
+                <a:spcPct val="107000"/>
+              </a:lnSpc>
+              <a:spcBef>
+                <a:spcPts val="0"/>
+              </a:spcBef>
+              <a:spcAft>
+                <a:spcPts val="800"/>
+              </a:spcAft>
+              <a:buFont typeface="Wingdings" panose="05000000000000000000" pitchFamily="2" charset="2"/>
+              <a:buChar char="ü"/>
+            </a:pPr>
+            <a:endParaRPr lang="en-US" sz="2000" dirty="0">
+              <a:solidFill>
+                <a:srgbClr val="333333"/>
+              </a:solidFill>
+              <a:ea typeface="Calibri" panose="020F0502020204030204" pitchFamily="34" charset="0"/>
+              <a:cs typeface="Times New Roman" panose="02020603050405020304" pitchFamily="18" charset="0"/>
+            </a:endParaRPr>
+          </a:p>
+        </p:txBody>
+      </p:sp>
+      <p:sp>
+        <p:nvSpPr>
+          <p:cNvPr id="10" name="TextBox 9">
+            <a:extLst>
+              <a:ext uri="{FF2B5EF4-FFF2-40B4-BE49-F238E27FC236}">
+                <a16:creationId xmlns:a16="http://schemas.microsoft.com/office/drawing/2014/main" id="{30DC55FF-0BC6-47F3-8782-B024E96179D8}"/>
+              </a:ext>
+            </a:extLst>
+          </p:cNvPr>
+          <p:cNvSpPr txBox="1"/>
+          <p:nvPr/>
+        </p:nvSpPr>
+        <p:spPr>
+          <a:xfrm>
+            <a:off x="1781790" y="2774510"/>
+            <a:ext cx="8247733" cy="978858"/>
+          </a:xfrm>
+          <a:prstGeom prst="rect">
+            <a:avLst/>
+          </a:prstGeom>
+          <a:noFill/>
+        </p:spPr>
+        <p:txBody>
+          <a:bodyPr wrap="square" numCol="3" rtlCol="0">
+            <a:spAutoFit/>
+          </a:bodyPr>
+          <a:lstStyle/>
+          <a:p>
+            <a:pPr lvl="1">
+              <a:lnSpc>
+                <a:spcPct val="107000"/>
+              </a:lnSpc>
+              <a:spcBef>
+                <a:spcPts val="0"/>
+              </a:spcBef>
+              <a:spcAft>
+                <a:spcPts val="800"/>
+              </a:spcAft>
+              <a:buFont typeface="Wingdings" panose="05000000000000000000" pitchFamily="2" charset="2"/>
+              <a:buChar char="ü"/>
+            </a:pPr>
+            <a:r>
+              <a:rPr lang="en-US" sz="1400" dirty="0"/>
+              <a:t>Fast Quads</a:t>
+            </a:r>
+          </a:p>
+          <a:p>
+            <a:pPr lvl="1">
+              <a:lnSpc>
+                <a:spcPct val="107000"/>
+              </a:lnSpc>
+              <a:spcBef>
+                <a:spcPts val="0"/>
+              </a:spcBef>
+              <a:spcAft>
+                <a:spcPts val="800"/>
+              </a:spcAft>
+              <a:buFont typeface="Wingdings" panose="05000000000000000000" pitchFamily="2" charset="2"/>
+              <a:buChar char="ü"/>
+            </a:pPr>
+            <a:r>
+              <a:rPr lang="en-US" sz="1400" dirty="0"/>
+              <a:t>Runs</a:t>
+            </a:r>
+          </a:p>
+          <a:p>
+            <a:pPr lvl="1">
+              <a:lnSpc>
+                <a:spcPct val="107000"/>
+              </a:lnSpc>
+              <a:spcBef>
+                <a:spcPts val="0"/>
+              </a:spcBef>
+              <a:spcAft>
+                <a:spcPts val="800"/>
+              </a:spcAft>
+              <a:buFont typeface="Wingdings" panose="05000000000000000000" pitchFamily="2" charset="2"/>
+              <a:buChar char="ü"/>
+            </a:pPr>
+            <a:r>
+              <a:rPr lang="en-US" sz="1400" dirty="0"/>
+              <a:t>Snow Making area coverage</a:t>
+            </a:r>
+          </a:p>
+          <a:p>
+            <a:pPr lvl="1">
+              <a:lnSpc>
+                <a:spcPct val="107000"/>
+              </a:lnSpc>
+              <a:spcBef>
+                <a:spcPts val="0"/>
+              </a:spcBef>
+              <a:spcAft>
+                <a:spcPts val="800"/>
+              </a:spcAft>
+              <a:buFont typeface="Wingdings" panose="05000000000000000000" pitchFamily="2" charset="2"/>
+              <a:buChar char="ü"/>
+            </a:pPr>
+            <a:r>
+              <a:rPr lang="en-US" sz="1400" dirty="0"/>
+              <a:t>Resort to Night skiing ratio</a:t>
+            </a:r>
+          </a:p>
+          <a:p>
+            <a:pPr lvl="1">
+              <a:lnSpc>
+                <a:spcPct val="107000"/>
+              </a:lnSpc>
+              <a:spcBef>
+                <a:spcPts val="0"/>
+              </a:spcBef>
+              <a:spcAft>
+                <a:spcPts val="800"/>
+              </a:spcAft>
+              <a:buFont typeface="Wingdings" panose="05000000000000000000" pitchFamily="2" charset="2"/>
+              <a:buChar char="ü"/>
+            </a:pPr>
+            <a:r>
+              <a:rPr lang="en-US" sz="1400" dirty="0"/>
+              <a:t>Total chairs</a:t>
+            </a:r>
+          </a:p>
+          <a:p>
+            <a:pPr lvl="1">
+              <a:lnSpc>
+                <a:spcPct val="107000"/>
+              </a:lnSpc>
+              <a:spcBef>
+                <a:spcPts val="0"/>
+              </a:spcBef>
+              <a:spcAft>
+                <a:spcPts val="800"/>
+              </a:spcAft>
+              <a:buFont typeface="Wingdings" panose="05000000000000000000" pitchFamily="2" charset="2"/>
+              <a:buChar char="ü"/>
+            </a:pPr>
+            <a:r>
+              <a:rPr lang="en-US" sz="1400" dirty="0"/>
+              <a:t>Vertical drop</a:t>
+            </a:r>
+          </a:p>
+          <a:p>
+            <a:endParaRPr lang="en-US" sz="1400" dirty="0"/>
+          </a:p>
+        </p:txBody>
+      </p:sp>
+      <p:pic>
+        <p:nvPicPr>
+          <p:cNvPr id="4" name="Picture 3">
+            <a:extLst>
+              <a:ext uri="{FF2B5EF4-FFF2-40B4-BE49-F238E27FC236}">
+                <a16:creationId xmlns:a16="http://schemas.microsoft.com/office/drawing/2014/main" id="{1CEB8BAF-BAD3-47E6-B3AC-2A910378CEB9}"/>
+              </a:ext>
+            </a:extLst>
+          </p:cNvPr>
+          <p:cNvPicPr>
+            <a:picLocks noChangeAspect="1"/>
+          </p:cNvPicPr>
+          <p:nvPr/>
+        </p:nvPicPr>
+        <p:blipFill>
+          <a:blip r:embed="rId2"/>
+          <a:stretch>
+            <a:fillRect/>
+          </a:stretch>
+        </p:blipFill>
+        <p:spPr>
+          <a:xfrm>
+            <a:off x="1464804" y="3886796"/>
+            <a:ext cx="2397762" cy="1312356"/>
+          </a:xfrm>
+          <a:prstGeom prst="rect">
+            <a:avLst/>
+          </a:prstGeom>
+          <a:ln>
+            <a:noFill/>
+          </a:ln>
+          <a:effectLst>
+            <a:outerShdw blurRad="292100" dist="139700" dir="2700000" algn="tl" rotWithShape="0">
+              <a:srgbClr val="333333">
+                <a:alpha val="65000"/>
+              </a:srgbClr>
+            </a:outerShdw>
+          </a:effectLst>
+        </p:spPr>
+      </p:pic>
+      <p:pic>
+        <p:nvPicPr>
+          <p:cNvPr id="6" name="Picture 5">
+            <a:extLst>
+              <a:ext uri="{FF2B5EF4-FFF2-40B4-BE49-F238E27FC236}">
+                <a16:creationId xmlns:a16="http://schemas.microsoft.com/office/drawing/2014/main" id="{966EC60D-3C40-41E7-83EE-6AE04FA7427E}"/>
+              </a:ext>
+            </a:extLst>
+          </p:cNvPr>
+          <p:cNvPicPr>
+            <a:picLocks noChangeAspect="1"/>
+          </p:cNvPicPr>
+          <p:nvPr/>
+        </p:nvPicPr>
+        <p:blipFill>
+          <a:blip r:embed="rId3"/>
+          <a:stretch>
+            <a:fillRect/>
+          </a:stretch>
+        </p:blipFill>
+        <p:spPr>
+          <a:xfrm>
+            <a:off x="4560053" y="3886796"/>
+            <a:ext cx="2460669" cy="1312357"/>
+          </a:xfrm>
+          <a:prstGeom prst="rect">
+            <a:avLst/>
+          </a:prstGeom>
+          <a:ln>
+            <a:noFill/>
+          </a:ln>
+          <a:effectLst>
+            <a:outerShdw blurRad="292100" dist="139700" dir="2700000" algn="tl" rotWithShape="0">
+              <a:srgbClr val="333333">
+                <a:alpha val="65000"/>
+              </a:srgbClr>
+            </a:outerShdw>
+          </a:effectLst>
+        </p:spPr>
+      </p:pic>
+      <p:pic>
+        <p:nvPicPr>
+          <p:cNvPr id="9" name="Picture 8">
+            <a:extLst>
+              <a:ext uri="{FF2B5EF4-FFF2-40B4-BE49-F238E27FC236}">
+                <a16:creationId xmlns:a16="http://schemas.microsoft.com/office/drawing/2014/main" id="{B61FFD2F-B840-4F25-B2DF-89FAA703842C}"/>
+              </a:ext>
+            </a:extLst>
+          </p:cNvPr>
+          <p:cNvPicPr>
+            <a:picLocks noChangeAspect="1"/>
+          </p:cNvPicPr>
+          <p:nvPr/>
+        </p:nvPicPr>
+        <p:blipFill>
+          <a:blip r:embed="rId4"/>
+          <a:stretch>
+            <a:fillRect/>
+          </a:stretch>
+        </p:blipFill>
+        <p:spPr>
+          <a:xfrm>
+            <a:off x="7718209" y="3886796"/>
+            <a:ext cx="2311314" cy="1312356"/>
+          </a:xfrm>
+          <a:prstGeom prst="rect">
+            <a:avLst/>
+          </a:prstGeom>
+          <a:ln>
+            <a:noFill/>
+          </a:ln>
+          <a:effectLst>
+            <a:outerShdw blurRad="292100" dist="139700" dir="2700000" algn="tl" rotWithShape="0">
+              <a:srgbClr val="333333">
+                <a:alpha val="65000"/>
+              </a:srgbClr>
+            </a:outerShdw>
+          </a:effectLst>
+        </p:spPr>
+      </p:pic>
+      <p:pic>
+        <p:nvPicPr>
+          <p:cNvPr id="12" name="Picture 11">
+            <a:extLst>
+              <a:ext uri="{FF2B5EF4-FFF2-40B4-BE49-F238E27FC236}">
+                <a16:creationId xmlns:a16="http://schemas.microsoft.com/office/drawing/2014/main" id="{4CC7FC7A-6130-4C5A-B785-B387B98874E8}"/>
+              </a:ext>
+            </a:extLst>
+          </p:cNvPr>
+          <p:cNvPicPr>
+            <a:picLocks noChangeAspect="1"/>
+          </p:cNvPicPr>
+          <p:nvPr/>
+        </p:nvPicPr>
+        <p:blipFill>
+          <a:blip r:embed="rId5"/>
+          <a:stretch>
+            <a:fillRect/>
+          </a:stretch>
+        </p:blipFill>
+        <p:spPr>
+          <a:xfrm>
+            <a:off x="1464804" y="5406762"/>
+            <a:ext cx="2397762" cy="1331943"/>
+          </a:xfrm>
+          <a:prstGeom prst="rect">
+            <a:avLst/>
+          </a:prstGeom>
+          <a:ln>
+            <a:noFill/>
+          </a:ln>
+          <a:effectLst>
+            <a:outerShdw blurRad="292100" dist="139700" dir="2700000" algn="tl" rotWithShape="0">
+              <a:srgbClr val="333333">
+                <a:alpha val="65000"/>
+              </a:srgbClr>
+            </a:outerShdw>
+          </a:effectLst>
+        </p:spPr>
+      </p:pic>
+      <p:pic>
+        <p:nvPicPr>
+          <p:cNvPr id="14" name="Picture 13">
+            <a:extLst>
+              <a:ext uri="{FF2B5EF4-FFF2-40B4-BE49-F238E27FC236}">
+                <a16:creationId xmlns:a16="http://schemas.microsoft.com/office/drawing/2014/main" id="{AD15377F-2E5B-41EA-A784-1C10747B5F74}"/>
+              </a:ext>
+            </a:extLst>
+          </p:cNvPr>
+          <p:cNvPicPr>
+            <a:picLocks noChangeAspect="1"/>
+          </p:cNvPicPr>
+          <p:nvPr/>
+        </p:nvPicPr>
+        <p:blipFill>
+          <a:blip r:embed="rId6"/>
+          <a:stretch>
+            <a:fillRect/>
+          </a:stretch>
+        </p:blipFill>
+        <p:spPr>
+          <a:xfrm>
+            <a:off x="4560053" y="5426349"/>
+            <a:ext cx="2460669" cy="1312356"/>
+          </a:xfrm>
+          <a:prstGeom prst="rect">
+            <a:avLst/>
+          </a:prstGeom>
+          <a:ln>
+            <a:noFill/>
+          </a:ln>
+          <a:effectLst>
+            <a:outerShdw blurRad="292100" dist="139700" dir="2700000" algn="tl" rotWithShape="0">
+              <a:srgbClr val="333333">
+                <a:alpha val="65000"/>
+              </a:srgbClr>
+            </a:outerShdw>
+          </a:effectLst>
+        </p:spPr>
+      </p:pic>
+      <p:pic>
+        <p:nvPicPr>
+          <p:cNvPr id="16" name="Picture 15">
+            <a:extLst>
+              <a:ext uri="{FF2B5EF4-FFF2-40B4-BE49-F238E27FC236}">
+                <a16:creationId xmlns:a16="http://schemas.microsoft.com/office/drawing/2014/main" id="{8B9BBFEA-8464-4B6C-81FF-C2B50FA5E817}"/>
+              </a:ext>
+            </a:extLst>
+          </p:cNvPr>
+          <p:cNvPicPr>
+            <a:picLocks noChangeAspect="1"/>
+          </p:cNvPicPr>
+          <p:nvPr/>
+        </p:nvPicPr>
+        <p:blipFill>
+          <a:blip r:embed="rId7"/>
+          <a:stretch>
+            <a:fillRect/>
+          </a:stretch>
+        </p:blipFill>
+        <p:spPr>
+          <a:xfrm>
+            <a:off x="7718209" y="5426349"/>
+            <a:ext cx="2311314" cy="1312356"/>
+          </a:xfrm>
+          <a:prstGeom prst="rect">
+            <a:avLst/>
+          </a:prstGeom>
+          <a:ln>
+            <a:noFill/>
+          </a:ln>
+          <a:effectLst>
+            <a:outerShdw blurRad="292100" dist="139700" dir="2700000" algn="tl" rotWithShape="0">
+              <a:srgbClr val="333333">
+                <a:alpha val="65000"/>
+              </a:srgbClr>
+            </a:outerShdw>
+          </a:effectLst>
+        </p:spPr>
+      </p:pic>
+    </p:spTree>
+    <p:extLst>
+      <p:ext uri="{BB962C8B-B14F-4D97-AF65-F5344CB8AC3E}">
+        <p14:creationId xmlns:p14="http://schemas.microsoft.com/office/powerpoint/2010/main" val="3872151872"/>
+      </p:ext>
+    </p:extLst>
+  </p:cSld>
+  <p:clrMapOvr>
+    <a:masterClrMapping/>
+  </p:clrMapOvr>
+</p:sld>
+</file>
+
+<file path=ppt/slides/slide9.xml><?xml version="1.0" encoding="utf-8"?>
+<p:sld xmlns:a="http://schemas.openxmlformats.org/drawingml/2006/main" xmlns:r="http://schemas.openxmlformats.org/officeDocument/2006/relationships" xmlns:p="http://schemas.openxmlformats.org/presentationml/2006/main">
+  <p:cSld>
+    <p:bg>
+      <p:bgPr>
+        <a:solidFill>
+          <a:schemeClr val="bg1"/>
+        </a:solidFill>
+        <a:effectLst/>
+      </p:bgPr>
+    </p:bg>
+    <p:spTree>
+      <p:nvGrpSpPr>
+        <p:cNvPr id="1" name=""/>
+        <p:cNvGrpSpPr/>
+        <p:nvPr/>
+      </p:nvGrpSpPr>
+      <p:grpSpPr>
+        <a:xfrm>
+          <a:off x="0" y="0"/>
+          <a:ext cx="0" cy="0"/>
+          <a:chOff x="0" y="0"/>
+          <a:chExt cx="0" cy="0"/>
+        </a:xfrm>
+      </p:grpSpPr>
+      <p:sp>
+        <p:nvSpPr>
+          <p:cNvPr id="2" name="Title 1">
+            <a:extLst>
+              <a:ext uri="{FF2B5EF4-FFF2-40B4-BE49-F238E27FC236}">
+                <a16:creationId xmlns:a16="http://schemas.microsoft.com/office/drawing/2014/main" id="{E34D2927-8A1D-4CD3-B090-7A0EFF59EC4B}"/>
+              </a:ext>
+            </a:extLst>
+          </p:cNvPr>
+          <p:cNvSpPr>
+            <a:spLocks noGrp="1"/>
+          </p:cNvSpPr>
+          <p:nvPr>
+            <p:ph type="title"/>
+          </p:nvPr>
+        </p:nvSpPr>
+        <p:spPr>
+          <a:xfrm>
+            <a:off x="1653363" y="365760"/>
+            <a:ext cx="9367203" cy="1188720"/>
+          </a:xfrm>
+        </p:spPr>
+        <p:txBody>
+          <a:bodyPr>
+            <a:normAutofit/>
+          </a:bodyPr>
+          <a:lstStyle/>
+          <a:p>
+            <a:r>
+              <a:rPr lang="en-US" dirty="0"/>
+              <a:t>Background</a:t>
+            </a:r>
+          </a:p>
+        </p:txBody>
+      </p:sp>
+      <p:sp>
+        <p:nvSpPr>
+          <p:cNvPr id="69" name="Freeform: Shape 58">
+            <a:extLst>
+              <a:ext uri="{FF2B5EF4-FFF2-40B4-BE49-F238E27FC236}">
+                <a16:creationId xmlns:a16="http://schemas.microsoft.com/office/drawing/2014/main" id="{7CB4857B-ED7C-444D-9F04-2F885114A1C2}"/>
+              </a:ext>
+              <a:ext uri="{C183D7F6-B498-43B3-948B-1728B52AA6E4}">
+                <adec:decorative xmlns:adec="http://schemas.microsoft.com/office/drawing/2017/decorative" val="1"/>
+              </a:ext>
+            </a:extLst>
+          </p:cNvPr>
+          <p:cNvSpPr>
+            <a:spLocks noGrp="1" noRot="1" noChangeAspect="1" noMove="1" noResize="1" noEditPoints="1" noAdjustHandles="1" noChangeArrowheads="1" noChangeShapeType="1" noTextEdit="1"/>
+          </p:cNvSpPr>
+          <p:nvPr>
+            <p:extLst>
+              <p:ext uri="{386F3935-93C4-4BCD-93E2-E3B085C9AB24}">
+                <p16:designElem xmlns:p16="http://schemas.microsoft.com/office/powerpoint/2015/main" val="1"/>
+              </p:ext>
+            </p:extLst>
+          </p:nvPr>
+        </p:nvSpPr>
+        <p:spPr>
+          <a:xfrm>
+            <a:off x="1" y="0"/>
+            <a:ext cx="1764099" cy="1558212"/>
+          </a:xfrm>
+          <a:custGeom>
+            <a:avLst/>
+            <a:gdLst>
+              <a:gd name="connsiteX0" fmla="*/ 0 w 1764099"/>
+              <a:gd name="connsiteY0" fmla="*/ 0 h 1558212"/>
+              <a:gd name="connsiteX1" fmla="*/ 1764099 w 1764099"/>
+              <a:gd name="connsiteY1" fmla="*/ 0 h 1558212"/>
+              <a:gd name="connsiteX2" fmla="*/ 1042087 w 1764099"/>
+              <a:gd name="connsiteY2" fmla="*/ 1558212 h 1558212"/>
+              <a:gd name="connsiteX3" fmla="*/ 0 w 1764099"/>
+              <a:gd name="connsiteY3" fmla="*/ 1558212 h 1558212"/>
+            </a:gdLst>
+            <a:ahLst/>
+            <a:cxnLst>
+              <a:cxn ang="0">
+                <a:pos x="connsiteX0" y="connsiteY0"/>
+              </a:cxn>
+              <a:cxn ang="0">
+                <a:pos x="connsiteX1" y="connsiteY1"/>
+              </a:cxn>
+              <a:cxn ang="0">
+                <a:pos x="connsiteX2" y="connsiteY2"/>
+              </a:cxn>
+              <a:cxn ang="0">
+                <a:pos x="connsiteX3" y="connsiteY3"/>
+              </a:cxn>
+            </a:cxnLst>
+            <a:rect l="l" t="t" r="r" b="b"/>
+            <a:pathLst>
+              <a:path w="1764099" h="1558212">
+                <a:moveTo>
+                  <a:pt x="0" y="0"/>
+                </a:moveTo>
+                <a:lnTo>
+                  <a:pt x="1764099" y="0"/>
+                </a:lnTo>
+                <a:lnTo>
+                  <a:pt x="1042087" y="1558212"/>
+                </a:lnTo>
+                <a:lnTo>
+                  <a:pt x="0" y="1558212"/>
+                </a:lnTo>
+                <a:close/>
+              </a:path>
+            </a:pathLst>
+          </a:custGeom>
+          <a:solidFill>
+            <a:schemeClr val="accent4"/>
+          </a:solidFill>
+          <a:ln>
+            <a:noFill/>
+          </a:ln>
+        </p:spPr>
+        <p:style>
+          <a:lnRef idx="2">
+            <a:schemeClr val="accent1">
+              <a:shade val="50000"/>
+            </a:schemeClr>
+          </a:lnRef>
+          <a:fillRef idx="1">
+            <a:schemeClr val="accent1"/>
+          </a:fillRef>
+          <a:effectRef idx="0">
+            <a:schemeClr val="accent1"/>
+          </a:effectRef>
+          <a:fontRef idx="minor">
+            <a:schemeClr val="lt1"/>
+          </a:fontRef>
+        </p:style>
+        <p:txBody>
+          <a:bodyPr wrap="square" rtlCol="0" anchor="ctr">
+            <a:noAutofit/>
+          </a:bodyPr>
+          <a:lstStyle/>
+          <a:p>
+            <a:pPr algn="ctr"/>
+            <a:endParaRPr lang="en-US"/>
+          </a:p>
+        </p:txBody>
+      </p:sp>
+      <p:sp>
+        <p:nvSpPr>
+          <p:cNvPr id="70" name="Freeform: Shape 60">
+            <a:extLst>
+              <a:ext uri="{FF2B5EF4-FFF2-40B4-BE49-F238E27FC236}">
+                <a16:creationId xmlns:a16="http://schemas.microsoft.com/office/drawing/2014/main" id="{D18046FB-44EA-4FD8-A585-EA09A319B2D0}"/>
+              </a:ext>
+              <a:ext uri="{C183D7F6-B498-43B3-948B-1728B52AA6E4}">
+                <adec:decorative xmlns:adec="http://schemas.microsoft.com/office/drawing/2017/decorative" val="1"/>
+              </a:ext>
+            </a:extLst>
+          </p:cNvPr>
+          <p:cNvSpPr>
+            <a:spLocks noGrp="1" noRot="1" noChangeAspect="1" noMove="1" noResize="1" noEditPoints="1" noAdjustHandles="1" noChangeArrowheads="1" noChangeShapeType="1" noTextEdit="1"/>
+          </p:cNvSpPr>
+          <p:nvPr>
+            <p:extLst>
+              <p:ext uri="{386F3935-93C4-4BCD-93E2-E3B085C9AB24}">
+                <p16:designElem xmlns:p16="http://schemas.microsoft.com/office/powerpoint/2015/main" val="1"/>
+              </p:ext>
+            </p:extLst>
+          </p:nvPr>
+        </p:nvSpPr>
+        <p:spPr>
+          <a:xfrm>
+            <a:off x="1" y="1691640"/>
+            <a:ext cx="12191999" cy="5166360"/>
+          </a:xfrm>
+          <a:custGeom>
+            <a:avLst/>
+            <a:gdLst>
+              <a:gd name="connsiteX0" fmla="*/ 0 w 12191999"/>
+              <a:gd name="connsiteY0" fmla="*/ 0 h 5166360"/>
+              <a:gd name="connsiteX1" fmla="*/ 1822388 w 12191999"/>
+              <a:gd name="connsiteY1" fmla="*/ 0 h 5166360"/>
+              <a:gd name="connsiteX2" fmla="*/ 6468290 w 12191999"/>
+              <a:gd name="connsiteY2" fmla="*/ 0 h 5166360"/>
+              <a:gd name="connsiteX3" fmla="*/ 7796394 w 12191999"/>
+              <a:gd name="connsiteY3" fmla="*/ 0 h 5166360"/>
+              <a:gd name="connsiteX4" fmla="*/ 8376834 w 12191999"/>
+              <a:gd name="connsiteY4" fmla="*/ 0 h 5166360"/>
+              <a:gd name="connsiteX5" fmla="*/ 9704938 w 12191999"/>
+              <a:gd name="connsiteY5" fmla="*/ 0 h 5166360"/>
+              <a:gd name="connsiteX6" fmla="*/ 9704938 w 12191999"/>
+              <a:gd name="connsiteY6" fmla="*/ 2 h 5166360"/>
+              <a:gd name="connsiteX7" fmla="*/ 10283456 w 12191999"/>
+              <a:gd name="connsiteY7" fmla="*/ 2 h 5166360"/>
+              <a:gd name="connsiteX8" fmla="*/ 10863897 w 12191999"/>
+              <a:gd name="connsiteY8" fmla="*/ 2 h 5166360"/>
+              <a:gd name="connsiteX9" fmla="*/ 12191999 w 12191999"/>
+              <a:gd name="connsiteY9" fmla="*/ 2 h 5166360"/>
+              <a:gd name="connsiteX10" fmla="*/ 12191999 w 12191999"/>
+              <a:gd name="connsiteY10" fmla="*/ 5166360 h 5166360"/>
+              <a:gd name="connsiteX11" fmla="*/ 0 w 12191999"/>
+              <a:gd name="connsiteY11" fmla="*/ 5166360 h 5166360"/>
+              <a:gd name="connsiteX12" fmla="*/ 0 w 12191999"/>
+              <a:gd name="connsiteY12" fmla="*/ 2604436 h 5166360"/>
+              <a:gd name="connsiteX13" fmla="*/ 862341 w 12191999"/>
+              <a:gd name="connsiteY13" fmla="*/ 743371 h 5166360"/>
+              <a:gd name="connsiteX14" fmla="*/ 0 w 12191999"/>
+              <a:gd name="connsiteY14" fmla="*/ 743371 h 5166360"/>
+              <a:gd name="connsiteX15" fmla="*/ 0 w 12191999"/>
+              <a:gd name="connsiteY15" fmla="*/ 742508 h 5166360"/>
+              <a:gd name="connsiteX16" fmla="*/ 92826 w 12191999"/>
+              <a:gd name="connsiteY16" fmla="*/ 742508 h 5166360"/>
+              <a:gd name="connsiteX17" fmla="*/ 406486 w 12191999"/>
+              <a:gd name="connsiteY17" fmla="*/ 742508 h 5166360"/>
+              <a:gd name="connsiteX18" fmla="*/ 406486 w 12191999"/>
+              <a:gd name="connsiteY18" fmla="*/ 742507 h 5166360"/>
+              <a:gd name="connsiteX19" fmla="*/ 862741 w 12191999"/>
+              <a:gd name="connsiteY19" fmla="*/ 742507 h 5166360"/>
+              <a:gd name="connsiteX20" fmla="*/ 1206388 w 12191999"/>
+              <a:gd name="connsiteY20" fmla="*/ 864 h 5166360"/>
+              <a:gd name="connsiteX21" fmla="*/ 748500 w 12191999"/>
+              <a:gd name="connsiteY21" fmla="*/ 864 h 5166360"/>
+              <a:gd name="connsiteX22" fmla="*/ 0 w 12191999"/>
+              <a:gd name="connsiteY22" fmla="*/ 864 h 5166360"/>
+            </a:gdLst>
+            <a:ahLst/>
+            <a:cxnLst>
+              <a:cxn ang="0">
+                <a:pos x="connsiteX0" y="connsiteY0"/>
+              </a:cxn>
+              <a:cxn ang="0">
+                <a:pos x="connsiteX1" y="connsiteY1"/>
+              </a:cxn>
+              <a:cxn ang="0">
+                <a:pos x="connsiteX2" y="connsiteY2"/>
+              </a:cxn>
+              <a:cxn ang="0">
+                <a:pos x="connsiteX3" y="connsiteY3"/>
+              </a:cxn>
+              <a:cxn ang="0">
+                <a:pos x="connsiteX4" y="connsiteY4"/>
+              </a:cxn>
+              <a:cxn ang="0">
+                <a:pos x="connsiteX5" y="connsiteY5"/>
+              </a:cxn>
+              <a:cxn ang="0">
+                <a:pos x="connsiteX6" y="connsiteY6"/>
+              </a:cxn>
+              <a:cxn ang="0">
+                <a:pos x="connsiteX7" y="connsiteY7"/>
+              </a:cxn>
+              <a:cxn ang="0">
+                <a:pos x="connsiteX8" y="connsiteY8"/>
+              </a:cxn>
+              <a:cxn ang="0">
+                <a:pos x="connsiteX9" y="connsiteY9"/>
+              </a:cxn>
+              <a:cxn ang="0">
+                <a:pos x="connsiteX10" y="connsiteY10"/>
+              </a:cxn>
+              <a:cxn ang="0">
+                <a:pos x="connsiteX11" y="connsiteY11"/>
+              </a:cxn>
+              <a:cxn ang="0">
+                <a:pos x="connsiteX12" y="connsiteY12"/>
+              </a:cxn>
+              <a:cxn ang="0">
+                <a:pos x="connsiteX13" y="connsiteY13"/>
+              </a:cxn>
+              <a:cxn ang="0">
+                <a:pos x="connsiteX14" y="connsiteY14"/>
+              </a:cxn>
+              <a:cxn ang="0">
+                <a:pos x="connsiteX15" y="connsiteY15"/>
+              </a:cxn>
+              <a:cxn ang="0">
+                <a:pos x="connsiteX16" y="connsiteY16"/>
+              </a:cxn>
+              <a:cxn ang="0">
+                <a:pos x="connsiteX17" y="connsiteY17"/>
+              </a:cxn>
+              <a:cxn ang="0">
+                <a:pos x="connsiteX18" y="connsiteY18"/>
+              </a:cxn>
+              <a:cxn ang="0">
+                <a:pos x="connsiteX19" y="connsiteY19"/>
+              </a:cxn>
+              <a:cxn ang="0">
+                <a:pos x="connsiteX20" y="connsiteY20"/>
+              </a:cxn>
+              <a:cxn ang="0">
+                <a:pos x="connsiteX21" y="connsiteY21"/>
+              </a:cxn>
+              <a:cxn ang="0">
+                <a:pos x="connsiteX22" y="connsiteY22"/>
+              </a:cxn>
+            </a:cxnLst>
+            <a:rect l="l" t="t" r="r" b="b"/>
+            <a:pathLst>
+              <a:path w="12191999" h="5166360">
+                <a:moveTo>
+                  <a:pt x="0" y="0"/>
+                </a:moveTo>
+                <a:lnTo>
+                  <a:pt x="1822388" y="0"/>
+                </a:lnTo>
+                <a:lnTo>
+                  <a:pt x="6468290" y="0"/>
+                </a:lnTo>
+                <a:lnTo>
+                  <a:pt x="7796394" y="0"/>
+                </a:lnTo>
+                <a:lnTo>
+                  <a:pt x="8376834" y="0"/>
+                </a:lnTo>
+                <a:lnTo>
+                  <a:pt x="9704938" y="0"/>
+                </a:lnTo>
+                <a:lnTo>
+                  <a:pt x="9704938" y="2"/>
+                </a:lnTo>
+                <a:lnTo>
+                  <a:pt x="10283456" y="2"/>
+                </a:lnTo>
+                <a:lnTo>
+                  <a:pt x="10863897" y="2"/>
+                </a:lnTo>
+                <a:lnTo>
+                  <a:pt x="12191999" y="2"/>
+                </a:lnTo>
+                <a:lnTo>
+                  <a:pt x="12191999" y="5166360"/>
+                </a:lnTo>
+                <a:lnTo>
+                  <a:pt x="0" y="5166360"/>
+                </a:lnTo>
+                <a:lnTo>
+                  <a:pt x="0" y="2604436"/>
+                </a:lnTo>
+                <a:lnTo>
+                  <a:pt x="862341" y="743371"/>
+                </a:lnTo>
+                <a:lnTo>
+                  <a:pt x="0" y="743371"/>
+                </a:lnTo>
+                <a:lnTo>
+                  <a:pt x="0" y="742508"/>
+                </a:lnTo>
+                <a:lnTo>
+                  <a:pt x="92826" y="742508"/>
+                </a:lnTo>
+                <a:lnTo>
+                  <a:pt x="406486" y="742508"/>
+                </a:lnTo>
+                <a:lnTo>
+                  <a:pt x="406486" y="742507"/>
+                </a:lnTo>
+                <a:lnTo>
+                  <a:pt x="862741" y="742507"/>
+                </a:lnTo>
+                <a:lnTo>
+                  <a:pt x="1206388" y="864"/>
+                </a:lnTo>
+                <a:lnTo>
+                  <a:pt x="748500" y="864"/>
+                </a:lnTo>
+                <a:lnTo>
+                  <a:pt x="0" y="864"/>
+                </a:lnTo>
+                <a:close/>
+              </a:path>
+            </a:pathLst>
+          </a:custGeom>
+          <a:solidFill>
+            <a:srgbClr val="A6A6A6">
+              <a:alpha val="49804"/>
+            </a:srgbClr>
+          </a:solidFill>
+          <a:ln>
+            <a:noFill/>
+          </a:ln>
+        </p:spPr>
+        <p:style>
+          <a:lnRef idx="2">
+            <a:schemeClr val="accent1">
+              <a:shade val="50000"/>
+            </a:schemeClr>
+          </a:lnRef>
+          <a:fillRef idx="1">
+            <a:schemeClr val="accent1"/>
+          </a:fillRef>
+          <a:effectRef idx="0">
+            <a:schemeClr val="accent1"/>
+          </a:effectRef>
+          <a:fontRef idx="minor">
+            <a:schemeClr val="lt1"/>
+          </a:fontRef>
+        </p:style>
+        <p:txBody>
+          <a:bodyPr wrap="square" rtlCol="0" anchor="ctr">
+            <a:noAutofit/>
+          </a:bodyPr>
+          <a:lstStyle/>
+          <a:p>
+            <a:pPr algn="ctr"/>
+            <a:endParaRPr lang="en-US"/>
+          </a:p>
+        </p:txBody>
+      </p:sp>
+      <p:sp>
+        <p:nvSpPr>
+          <p:cNvPr id="71" name="Freeform: Shape 62">
+            <a:extLst>
+              <a:ext uri="{FF2B5EF4-FFF2-40B4-BE49-F238E27FC236}">
+                <a16:creationId xmlns:a16="http://schemas.microsoft.com/office/drawing/2014/main" id="{479F5F2B-8B58-4140-AE6A-51F6C67B18D9}"/>
+              </a:ext>
+              <a:ext uri="{C183D7F6-B498-43B3-948B-1728B52AA6E4}">
+                <adec:decorative xmlns:adec="http://schemas.microsoft.com/office/drawing/2017/decorative" val="1"/>
+              </a:ext>
+            </a:extLst>
+          </p:cNvPr>
+          <p:cNvSpPr>
+            <a:spLocks noGrp="1" noRot="1" noChangeAspect="1" noMove="1" noResize="1" noEditPoints="1" noAdjustHandles="1" noChangeArrowheads="1" noChangeShapeType="1" noTextEdit="1"/>
+          </p:cNvSpPr>
+          <p:nvPr>
+            <p:extLst>
+              <p:ext uri="{386F3935-93C4-4BCD-93E2-E3B085C9AB24}">
+                <p16:designElem xmlns:p16="http://schemas.microsoft.com/office/powerpoint/2015/main" val="1"/>
+              </p:ext>
+            </p:extLst>
+          </p:nvPr>
+        </p:nvSpPr>
+        <p:spPr>
+          <a:xfrm>
+            <a:off x="0" y="1691641"/>
+            <a:ext cx="971654" cy="2096979"/>
+          </a:xfrm>
+          <a:custGeom>
+            <a:avLst/>
+            <a:gdLst>
+              <a:gd name="connsiteX0" fmla="*/ 0 w 971654"/>
+              <a:gd name="connsiteY0" fmla="*/ 0 h 2096979"/>
+              <a:gd name="connsiteX1" fmla="*/ 971654 w 971654"/>
+              <a:gd name="connsiteY1" fmla="*/ 0 h 2096979"/>
+              <a:gd name="connsiteX2" fmla="*/ 0 w 971654"/>
+              <a:gd name="connsiteY2" fmla="*/ 2096979 h 2096979"/>
+            </a:gdLst>
+            <a:ahLst/>
+            <a:cxnLst>
+              <a:cxn ang="0">
+                <a:pos x="connsiteX0" y="connsiteY0"/>
+              </a:cxn>
+              <a:cxn ang="0">
+                <a:pos x="connsiteX1" y="connsiteY1"/>
+              </a:cxn>
+              <a:cxn ang="0">
+                <a:pos x="connsiteX2" y="connsiteY2"/>
+              </a:cxn>
+            </a:cxnLst>
+            <a:rect l="l" t="t" r="r" b="b"/>
+            <a:pathLst>
+              <a:path w="971654" h="2096979">
+                <a:moveTo>
+                  <a:pt x="0" y="0"/>
+                </a:moveTo>
+                <a:lnTo>
+                  <a:pt x="971654" y="0"/>
+                </a:lnTo>
+                <a:lnTo>
+                  <a:pt x="0" y="2096979"/>
+                </a:lnTo>
+                <a:close/>
+              </a:path>
+            </a:pathLst>
+          </a:custGeom>
+          <a:solidFill>
+            <a:srgbClr val="404040"/>
+          </a:solidFill>
+          <a:ln>
+            <a:noFill/>
+          </a:ln>
+        </p:spPr>
+        <p:style>
+          <a:lnRef idx="2">
+            <a:schemeClr val="accent1">
+              <a:shade val="50000"/>
+            </a:schemeClr>
+          </a:lnRef>
+          <a:fillRef idx="1">
+            <a:schemeClr val="accent1"/>
+          </a:fillRef>
+          <a:effectRef idx="0">
+            <a:schemeClr val="accent1"/>
+          </a:effectRef>
+          <a:fontRef idx="minor">
+            <a:schemeClr val="lt1"/>
+          </a:fontRef>
+        </p:style>
+        <p:txBody>
+          <a:bodyPr wrap="square" rtlCol="0" anchor="ctr">
+            <a:noAutofit/>
+          </a:bodyPr>
+          <a:lstStyle/>
+          <a:p>
+            <a:pPr algn="ctr"/>
+            <a:endParaRPr lang="en-US"/>
+          </a:p>
+        </p:txBody>
+      </p:sp>
+      <p:sp>
+        <p:nvSpPr>
+          <p:cNvPr id="7" name="Content Placeholder 6">
+            <a:extLst>
+              <a:ext uri="{FF2B5EF4-FFF2-40B4-BE49-F238E27FC236}">
+                <a16:creationId xmlns:a16="http://schemas.microsoft.com/office/drawing/2014/main" id="{29A506C5-4F79-4C03-8990-2DEA12EEE999}"/>
+              </a:ext>
+            </a:extLst>
+          </p:cNvPr>
+          <p:cNvSpPr>
+            <a:spLocks noGrp="1"/>
+          </p:cNvSpPr>
+          <p:nvPr>
+            <p:ph idx="1"/>
+          </p:nvPr>
+        </p:nvSpPr>
+        <p:spPr>
+          <a:xfrm>
+            <a:off x="1193532" y="1825624"/>
+            <a:ext cx="10160267" cy="4912059"/>
+          </a:xfrm>
+        </p:spPr>
+        <p:txBody>
+          <a:bodyPr>
+            <a:noAutofit/>
+          </a:bodyPr>
+          <a:lstStyle/>
           <a:p>
             <a:pPr>
               <a:lnSpc>
@@ -9501,20 +11229,82 @@
               </a:spcAft>
             </a:pPr>
             <a:r>
-              <a:rPr lang="en-US" sz="2400" dirty="0">
-                <a:solidFill>
-                  <a:schemeClr val="bg1"/>
-                </a:solidFill>
-              </a:rPr>
-              <a:t>However, this would also incur the additional cost of the new chair lift per ticket and would have to be considered.</a:t>
-            </a:r>
+              <a:rPr lang="en-US" sz="1800" dirty="0"/>
+              <a:t>Feature importance:</a:t>
+            </a:r>
+            <a:br>
+              <a:rPr lang="en-US" sz="1800" dirty="0"/>
+            </a:br>
+            <a:endParaRPr lang="en-US" sz="1800" dirty="0"/>
+          </a:p>
+          <a:p>
+            <a:pPr lvl="1">
+              <a:lnSpc>
+                <a:spcPct val="107000"/>
+              </a:lnSpc>
+              <a:spcBef>
+                <a:spcPts val="0"/>
+              </a:spcBef>
+              <a:spcAft>
+                <a:spcPts val="800"/>
+              </a:spcAft>
+              <a:buFont typeface="Wingdings" panose="05000000000000000000" pitchFamily="2" charset="2"/>
+              <a:buChar char="ü"/>
+            </a:pPr>
+            <a:endParaRPr lang="en-US" sz="2000" dirty="0">
+              <a:solidFill>
+                <a:srgbClr val="333333"/>
+              </a:solidFill>
+              <a:ea typeface="Calibri" panose="020F0502020204030204" pitchFamily="34" charset="0"/>
+              <a:cs typeface="Times New Roman" panose="02020603050405020304" pitchFamily="18" charset="0"/>
+            </a:endParaRPr>
           </a:p>
         </p:txBody>
       </p:sp>
+      <p:pic>
+        <p:nvPicPr>
+          <p:cNvPr id="4" name="Picture 3">
+            <a:extLst>
+              <a:ext uri="{FF2B5EF4-FFF2-40B4-BE49-F238E27FC236}">
+                <a16:creationId xmlns:a16="http://schemas.microsoft.com/office/drawing/2014/main" id="{AC8E61ED-7D83-40D7-B7AB-6AB8012468B0}"/>
+              </a:ext>
+            </a:extLst>
+          </p:cNvPr>
+          <p:cNvPicPr>
+            <a:picLocks noChangeAspect="1"/>
+          </p:cNvPicPr>
+          <p:nvPr/>
+        </p:nvPicPr>
+        <p:blipFill>
+          <a:blip r:embed="rId2"/>
+          <a:stretch>
+            <a:fillRect/>
+          </a:stretch>
+        </p:blipFill>
+        <p:spPr>
+          <a:xfrm>
+            <a:off x="1582993" y="2365893"/>
+            <a:ext cx="5751457" cy="3909725"/>
+          </a:xfrm>
+          <a:prstGeom prst="rect">
+            <a:avLst/>
+          </a:prstGeom>
+          <a:ln>
+            <a:noFill/>
+          </a:ln>
+          <a:effectLst>
+            <a:outerShdw blurRad="292100" dist="139700" dir="2700000" algn="tl" rotWithShape="0">
+              <a:srgbClr val="333333">
+                <a:alpha val="65000"/>
+              </a:srgbClr>
+            </a:outerShdw>
+          </a:effectLst>
+        </p:spPr>
+      </p:pic>
     </p:spTree>
     <p:extLst>
       <p:ext uri="{BB962C8B-B14F-4D97-AF65-F5344CB8AC3E}">
-        <p14:creationId xmlns:p14="http://schemas.microsoft.com/office/powerpoint/2010/main" val="969398882"/>
+        <p14:creationId xmlns:p14="http://schemas.microsoft.com/office/powerpoint/2010/main" val="498336751"/>
       </p:ext>
     </p:extLst>
   </p:cSld>
